--- a/AutomatedTestingForBeginners.pptx
+++ b/AutomatedTestingForBeginners.pptx
@@ -209,7 +209,7 @@
           <a:p>
             <a:fld id="{7A3D1008-2C24-4284-994F-651622D2DF97}" type="datetimeFigureOut">
               <a:rPr lang="en-US" smtClean="0"/>
-              <a:t>7/23/2020</a:t>
+              <a:t>7/24/2020</a:t>
             </a:fld>
             <a:endParaRPr lang="en-US"/>
           </a:p>
@@ -707,7 +707,7 @@
           <a:p>
             <a:fld id="{76A19A57-ED36-4E02-A41B-0F1BA868C295}" type="datetimeFigureOut">
               <a:rPr lang="en-US" smtClean="0"/>
-              <a:t>7/23/2020</a:t>
+              <a:t>7/24/2020</a:t>
             </a:fld>
             <a:endParaRPr lang="en-US"/>
           </a:p>
@@ -877,7 +877,7 @@
           <a:p>
             <a:fld id="{76A19A57-ED36-4E02-A41B-0F1BA868C295}" type="datetimeFigureOut">
               <a:rPr lang="en-US" smtClean="0"/>
-              <a:t>7/23/2020</a:t>
+              <a:t>7/24/2020</a:t>
             </a:fld>
             <a:endParaRPr lang="en-US"/>
           </a:p>
@@ -1057,7 +1057,7 @@
           <a:p>
             <a:fld id="{76A19A57-ED36-4E02-A41B-0F1BA868C295}" type="datetimeFigureOut">
               <a:rPr lang="en-US" smtClean="0"/>
-              <a:t>7/23/2020</a:t>
+              <a:t>7/24/2020</a:t>
             </a:fld>
             <a:endParaRPr lang="en-US"/>
           </a:p>
@@ -1302,7 +1302,7 @@
             <a:fld id="{1C2D31DE-C454-491C-B5C3-F097855E3DF7}" type="datetime4">
               <a:rPr lang="en-US" smtClean="0"/>
               <a:pPr/>
-              <a:t>July 23, 2020</a:t>
+              <a:t>July 24, 2020</a:t>
             </a:fld>
             <a:endParaRPr lang="en-US" dirty="0"/>
           </a:p>
@@ -7707,7 +7707,7 @@
             <a:fld id="{1C2D31DE-C454-491C-B5C3-F097855E3DF7}" type="datetime4">
               <a:rPr lang="en-US" smtClean="0"/>
               <a:pPr/>
-              <a:t>July 23, 2020</a:t>
+              <a:t>July 24, 2020</a:t>
             </a:fld>
             <a:endParaRPr lang="en-US" dirty="0"/>
           </a:p>
@@ -11810,7 +11810,7 @@
             <a:fld id="{1C2D31DE-C454-491C-B5C3-F097855E3DF7}" type="datetime4">
               <a:rPr lang="en-US" smtClean="0"/>
               <a:pPr/>
-              <a:t>July 23, 2020</a:t>
+              <a:t>July 24, 2020</a:t>
             </a:fld>
             <a:endParaRPr lang="en-US" dirty="0"/>
           </a:p>
@@ -15300,7 +15300,7 @@
           <a:p>
             <a:fld id="{5958763E-B898-436D-883D-03711491D54A}" type="datetimeFigureOut">
               <a:rPr lang="en-US" smtClean="0"/>
-              <a:t>7/23/2020</a:t>
+              <a:t>7/24/2020</a:t>
             </a:fld>
             <a:endParaRPr lang="en-US" dirty="0"/>
           </a:p>
@@ -15779,7 +15779,7 @@
           <a:p>
             <a:fld id="{5958763E-B898-436D-883D-03711491D54A}" type="datetimeFigureOut">
               <a:rPr lang="en-US" smtClean="0"/>
-              <a:t>7/23/2020</a:t>
+              <a:t>7/24/2020</a:t>
             </a:fld>
             <a:endParaRPr lang="en-US" dirty="0"/>
           </a:p>
@@ -16634,7 +16634,7 @@
           <a:p>
             <a:fld id="{5958763E-B898-436D-883D-03711491D54A}" type="datetimeFigureOut">
               <a:rPr lang="en-US" smtClean="0"/>
-              <a:t>7/23/2020</a:t>
+              <a:t>7/24/2020</a:t>
             </a:fld>
             <a:endParaRPr lang="en-US" dirty="0"/>
           </a:p>
@@ -16849,7 +16849,7 @@
           <a:p>
             <a:fld id="{5958763E-B898-436D-883D-03711491D54A}" type="datetimeFigureOut">
               <a:rPr lang="en-US" smtClean="0"/>
-              <a:t>7/23/2020</a:t>
+              <a:t>7/24/2020</a:t>
             </a:fld>
             <a:endParaRPr lang="en-US" dirty="0"/>
           </a:p>
@@ -17186,7 +17186,7 @@
           <a:p>
             <a:fld id="{5958763E-B898-436D-883D-03711491D54A}" type="datetimeFigureOut">
               <a:rPr lang="en-US" smtClean="0"/>
-              <a:t>7/23/2020</a:t>
+              <a:t>7/24/2020</a:t>
             </a:fld>
             <a:endParaRPr lang="en-US" dirty="0"/>
           </a:p>
@@ -17371,7 +17371,7 @@
           <a:p>
             <a:fld id="{76A19A57-ED36-4E02-A41B-0F1BA868C295}" type="datetimeFigureOut">
               <a:rPr lang="en-US" smtClean="0"/>
-              <a:t>7/23/2020</a:t>
+              <a:t>7/24/2020</a:t>
             </a:fld>
             <a:endParaRPr lang="en-US"/>
           </a:p>
@@ -17593,7 +17593,7 @@
           <a:p>
             <a:fld id="{5958763E-B898-436D-883D-03711491D54A}" type="datetimeFigureOut">
               <a:rPr lang="en-US" smtClean="0"/>
-              <a:t>7/23/2020</a:t>
+              <a:t>7/24/2020</a:t>
             </a:fld>
             <a:endParaRPr lang="en-US" dirty="0"/>
           </a:p>
@@ -17958,7 +17958,7 @@
           <a:p>
             <a:fld id="{5958763E-B898-436D-883D-03711491D54A}" type="datetimeFigureOut">
               <a:rPr lang="en-US" smtClean="0"/>
-              <a:t>7/23/2020</a:t>
+              <a:t>7/24/2020</a:t>
             </a:fld>
             <a:endParaRPr lang="en-US" dirty="0"/>
           </a:p>
@@ -18160,7 +18160,7 @@
           <a:p>
             <a:fld id="{5958763E-B898-436D-883D-03711491D54A}" type="datetimeFigureOut">
               <a:rPr lang="en-US" smtClean="0"/>
-              <a:t>7/23/2020</a:t>
+              <a:t>7/24/2020</a:t>
             </a:fld>
             <a:endParaRPr lang="en-US" dirty="0"/>
           </a:p>
@@ -18411,7 +18411,7 @@
           <a:p>
             <a:fld id="{5958763E-B898-436D-883D-03711491D54A}" type="datetimeFigureOut">
               <a:rPr lang="en-US" smtClean="0"/>
-              <a:t>7/23/2020</a:t>
+              <a:t>7/24/2020</a:t>
             </a:fld>
             <a:endParaRPr lang="en-US" dirty="0"/>
           </a:p>
@@ -18712,7 +18712,7 @@
           <a:p>
             <a:fld id="{5958763E-B898-436D-883D-03711491D54A}" type="datetimeFigureOut">
               <a:rPr lang="en-US" smtClean="0"/>
-              <a:t>7/23/2020</a:t>
+              <a:t>7/24/2020</a:t>
             </a:fld>
             <a:endParaRPr lang="en-US" dirty="0"/>
           </a:p>
@@ -19132,7 +19132,7 @@
           <a:p>
             <a:fld id="{5958763E-B898-436D-883D-03711491D54A}" type="datetimeFigureOut">
               <a:rPr lang="en-US" smtClean="0"/>
-              <a:t>7/23/2020</a:t>
+              <a:t>7/24/2020</a:t>
             </a:fld>
             <a:endParaRPr lang="en-US" dirty="0"/>
           </a:p>
@@ -19638,7 +19638,7 @@
           <a:p>
             <a:fld id="{5958763E-B898-436D-883D-03711491D54A}" type="datetimeFigureOut">
               <a:rPr lang="en-US" smtClean="0"/>
-              <a:t>7/23/2020</a:t>
+              <a:t>7/24/2020</a:t>
             </a:fld>
             <a:endParaRPr lang="en-US" dirty="0"/>
           </a:p>
@@ -20142,7 +20142,7 @@
           <a:p>
             <a:fld id="{5958763E-B898-436D-883D-03711491D54A}" type="datetimeFigureOut">
               <a:rPr lang="en-US" smtClean="0"/>
-              <a:t>7/23/2020</a:t>
+              <a:t>7/24/2020</a:t>
             </a:fld>
             <a:endParaRPr lang="en-US" dirty="0"/>
           </a:p>
@@ -20757,7 +20757,7 @@
           <a:p>
             <a:fld id="{5958763E-B898-436D-883D-03711491D54A}" type="datetimeFigureOut">
               <a:rPr lang="en-US" smtClean="0"/>
-              <a:t>7/23/2020</a:t>
+              <a:t>7/24/2020</a:t>
             </a:fld>
             <a:endParaRPr lang="en-US" dirty="0"/>
           </a:p>
@@ -21533,7 +21533,7 @@
           <a:p>
             <a:fld id="{5958763E-B898-436D-883D-03711491D54A}" type="datetimeFigureOut">
               <a:rPr lang="en-US" smtClean="0"/>
-              <a:t>7/23/2020</a:t>
+              <a:t>7/24/2020</a:t>
             </a:fld>
             <a:endParaRPr lang="en-US" dirty="0"/>
           </a:p>
@@ -21782,7 +21782,7 @@
           <a:p>
             <a:fld id="{76A19A57-ED36-4E02-A41B-0F1BA868C295}" type="datetimeFigureOut">
               <a:rPr lang="en-US" smtClean="0"/>
-              <a:t>7/23/2020</a:t>
+              <a:t>7/24/2020</a:t>
             </a:fld>
             <a:endParaRPr lang="en-US"/>
           </a:p>
@@ -21883,7 +21883,7 @@
           <a:p>
             <a:fld id="{5958763E-B898-436D-883D-03711491D54A}" type="datetimeFigureOut">
               <a:rPr lang="en-US" smtClean="0"/>
-              <a:t>7/23/2020</a:t>
+              <a:t>7/24/2020</a:t>
             </a:fld>
             <a:endParaRPr lang="en-US" dirty="0"/>
           </a:p>
@@ -22007,7 +22007,7 @@
           <a:p>
             <a:fld id="{5958763E-B898-436D-883D-03711491D54A}" type="datetimeFigureOut">
               <a:rPr lang="en-US" smtClean="0"/>
-              <a:t>7/23/2020</a:t>
+              <a:t>7/24/2020</a:t>
             </a:fld>
             <a:endParaRPr lang="en-US" dirty="0"/>
           </a:p>
@@ -22131,7 +22131,7 @@
           <a:p>
             <a:fld id="{5958763E-B898-436D-883D-03711491D54A}" type="datetimeFigureOut">
               <a:rPr lang="en-US" smtClean="0"/>
-              <a:t>7/23/2020</a:t>
+              <a:t>7/24/2020</a:t>
             </a:fld>
             <a:endParaRPr lang="en-US" dirty="0"/>
           </a:p>
@@ -22262,7 +22262,7 @@
           <a:p>
             <a:fld id="{5958763E-B898-436D-883D-03711491D54A}" type="datetimeFigureOut">
               <a:rPr lang="en-US" smtClean="0"/>
-              <a:t>7/23/2020</a:t>
+              <a:t>7/24/2020</a:t>
             </a:fld>
             <a:endParaRPr lang="en-US" dirty="0"/>
           </a:p>
@@ -22386,7 +22386,7 @@
           <a:p>
             <a:fld id="{5958763E-B898-436D-883D-03711491D54A}" type="datetimeFigureOut">
               <a:rPr lang="en-US" smtClean="0"/>
-              <a:t>7/23/2020</a:t>
+              <a:t>7/24/2020</a:t>
             </a:fld>
             <a:endParaRPr lang="en-US" dirty="0"/>
           </a:p>
@@ -22510,7 +22510,7 @@
           <a:p>
             <a:fld id="{5958763E-B898-436D-883D-03711491D54A}" type="datetimeFigureOut">
               <a:rPr lang="en-US" smtClean="0"/>
-              <a:t>7/23/2020</a:t>
+              <a:t>7/24/2020</a:t>
             </a:fld>
             <a:endParaRPr lang="en-US" dirty="0"/>
           </a:p>
@@ -22634,7 +22634,7 @@
           <a:p>
             <a:fld id="{5958763E-B898-436D-883D-03711491D54A}" type="datetimeFigureOut">
               <a:rPr lang="en-US" smtClean="0"/>
-              <a:t>7/23/2020</a:t>
+              <a:t>7/24/2020</a:t>
             </a:fld>
             <a:endParaRPr lang="en-US" dirty="0"/>
           </a:p>
@@ -22758,7 +22758,7 @@
           <a:p>
             <a:fld id="{5958763E-B898-436D-883D-03711491D54A}" type="datetimeFigureOut">
               <a:rPr lang="en-US" smtClean="0"/>
-              <a:t>7/23/2020</a:t>
+              <a:t>7/24/2020</a:t>
             </a:fld>
             <a:endParaRPr lang="en-US" dirty="0"/>
           </a:p>
@@ -22882,7 +22882,7 @@
           <a:p>
             <a:fld id="{5958763E-B898-436D-883D-03711491D54A}" type="datetimeFigureOut">
               <a:rPr lang="en-US" smtClean="0"/>
-              <a:t>7/23/2020</a:t>
+              <a:t>7/24/2020</a:t>
             </a:fld>
             <a:endParaRPr lang="en-US" dirty="0"/>
           </a:p>
@@ -23015,7 +23015,7 @@
           <a:p>
             <a:fld id="{5958763E-B898-436D-883D-03711491D54A}" type="datetimeFigureOut">
               <a:rPr lang="en-US" smtClean="0"/>
-              <a:t>7/23/2020</a:t>
+              <a:t>7/24/2020</a:t>
             </a:fld>
             <a:endParaRPr lang="en-US" dirty="0"/>
           </a:p>
@@ -23262,7 +23262,7 @@
           <a:p>
             <a:fld id="{76A19A57-ED36-4E02-A41B-0F1BA868C295}" type="datetimeFigureOut">
               <a:rPr lang="en-US" smtClean="0"/>
-              <a:t>7/23/2020</a:t>
+              <a:t>7/24/2020</a:t>
             </a:fld>
             <a:endParaRPr lang="en-US"/>
           </a:p>
@@ -23363,7 +23363,7 @@
           <a:p>
             <a:fld id="{5958763E-B898-436D-883D-03711491D54A}" type="datetimeFigureOut">
               <a:rPr lang="en-US" smtClean="0"/>
-              <a:t>7/23/2020</a:t>
+              <a:t>7/24/2020</a:t>
             </a:fld>
             <a:endParaRPr lang="en-US" dirty="0"/>
           </a:p>
@@ -23733,7 +23733,7 @@
           <a:p>
             <a:fld id="{5958763E-B898-436D-883D-03711491D54A}" type="datetimeFigureOut">
               <a:rPr lang="en-US" smtClean="0"/>
-              <a:t>7/23/2020</a:t>
+              <a:t>7/24/2020</a:t>
             </a:fld>
             <a:endParaRPr lang="en-US" dirty="0"/>
           </a:p>
@@ -36346,7 +36346,7 @@
           <a:p>
             <a:fld id="{5958763E-B898-436D-883D-03711491D54A}" type="datetimeFigureOut">
               <a:rPr lang="en-US" smtClean="0"/>
-              <a:t>7/23/2020</a:t>
+              <a:t>7/24/2020</a:t>
             </a:fld>
             <a:endParaRPr lang="en-US" dirty="0"/>
           </a:p>
@@ -36647,7 +36647,7 @@
           <a:p>
             <a:fld id="{5958763E-B898-436D-883D-03711491D54A}" type="datetimeFigureOut">
               <a:rPr lang="en-US" smtClean="0"/>
-              <a:t>7/23/2020</a:t>
+              <a:t>7/24/2020</a:t>
             </a:fld>
             <a:endParaRPr lang="en-US" dirty="0"/>
           </a:p>
@@ -36850,7 +36850,7 @@
           <a:p>
             <a:fld id="{5958763E-B898-436D-883D-03711491D54A}" type="datetimeFigureOut">
               <a:rPr lang="en-US" smtClean="0"/>
-              <a:t>7/23/2020</a:t>
+              <a:t>7/24/2020</a:t>
             </a:fld>
             <a:endParaRPr lang="en-US" dirty="0"/>
           </a:p>
@@ -37113,7 +37113,7 @@
           <a:p>
             <a:fld id="{5958763E-B898-436D-883D-03711491D54A}" type="datetimeFigureOut">
               <a:rPr lang="en-US" smtClean="0"/>
-              <a:t>7/23/2020</a:t>
+              <a:t>7/24/2020</a:t>
             </a:fld>
             <a:endParaRPr lang="en-US" dirty="0"/>
           </a:p>
@@ -37556,7 +37556,7 @@
           <a:p>
             <a:fld id="{76A19A57-ED36-4E02-A41B-0F1BA868C295}" type="datetimeFigureOut">
               <a:rPr lang="en-US" smtClean="0"/>
-              <a:t>7/23/2020</a:t>
+              <a:t>7/24/2020</a:t>
             </a:fld>
             <a:endParaRPr lang="en-US"/>
           </a:p>
@@ -37674,7 +37674,7 @@
           <a:p>
             <a:fld id="{76A19A57-ED36-4E02-A41B-0F1BA868C295}" type="datetimeFigureOut">
               <a:rPr lang="en-US" smtClean="0"/>
-              <a:t>7/23/2020</a:t>
+              <a:t>7/24/2020</a:t>
             </a:fld>
             <a:endParaRPr lang="en-US"/>
           </a:p>
@@ -37769,7 +37769,7 @@
           <a:p>
             <a:fld id="{76A19A57-ED36-4E02-A41B-0F1BA868C295}" type="datetimeFigureOut">
               <a:rPr lang="en-US" smtClean="0"/>
-              <a:t>7/23/2020</a:t>
+              <a:t>7/24/2020</a:t>
             </a:fld>
             <a:endParaRPr lang="en-US"/>
           </a:p>
@@ -38046,7 +38046,7 @@
           <a:p>
             <a:fld id="{76A19A57-ED36-4E02-A41B-0F1BA868C295}" type="datetimeFigureOut">
               <a:rPr lang="en-US" smtClean="0"/>
-              <a:t>7/23/2020</a:t>
+              <a:t>7/24/2020</a:t>
             </a:fld>
             <a:endParaRPr lang="en-US"/>
           </a:p>
@@ -38299,7 +38299,7 @@
           <a:p>
             <a:fld id="{76A19A57-ED36-4E02-A41B-0F1BA868C295}" type="datetimeFigureOut">
               <a:rPr lang="en-US" smtClean="0"/>
-              <a:t>7/23/2020</a:t>
+              <a:t>7/24/2020</a:t>
             </a:fld>
             <a:endParaRPr lang="en-US"/>
           </a:p>
@@ -38512,7 +38512,7 @@
           <a:p>
             <a:fld id="{76A19A57-ED36-4E02-A41B-0F1BA868C295}" type="datetimeFigureOut">
               <a:rPr lang="en-US" smtClean="0"/>
-              <a:t>7/23/2020</a:t>
+              <a:t>7/24/2020</a:t>
             </a:fld>
             <a:endParaRPr lang="en-US"/>
           </a:p>
@@ -39070,7 +39070,7 @@
           <a:p>
             <a:fld id="{5958763E-B898-436D-883D-03711491D54A}" type="datetimeFigureOut">
               <a:rPr lang="en-US" smtClean="0"/>
-              <a:t>7/23/2020</a:t>
+              <a:t>7/24/2020</a:t>
             </a:fld>
             <a:endParaRPr lang="en-US" dirty="0"/>
           </a:p>
@@ -39654,7 +39654,7 @@
             <a:fld id="{1C2D31DE-C454-491C-B5C3-F097855E3DF7}" type="datetime4">
               <a:rPr lang="en-US" smtClean="0"/>
               <a:pPr/>
-              <a:t>July 23, 2020</a:t>
+              <a:t>July 24, 2020</a:t>
             </a:fld>
             <a:endParaRPr lang="en-US" dirty="0"/>
           </a:p>
@@ -40072,21 +40072,8 @@
                   <a:srgbClr val="FF0000"/>
                 </a:solidFill>
               </a:rPr>
-              <a:t>Note: if you leave the runner open while writing your test, you will need to remove the things from your cart every time. If you stop the test from running first, you wil</a:t>
+              <a:t>Note: if you leave the runner open while writing your test, you will need to remove the things from your cart every time. If you stop the test from running first, you will not.</a:t>
             </a:r>
-            <a:r>
-              <a:rPr lang="en-US" sz="2400" dirty="0" smtClean="0">
-                <a:solidFill>
-                  <a:srgbClr val="FF0000"/>
-                </a:solidFill>
-              </a:rPr>
-              <a:t>l not.</a:t>
-            </a:r>
-            <a:endParaRPr lang="en-US" sz="2400" dirty="0" smtClean="0">
-              <a:solidFill>
-                <a:srgbClr val="FF0000"/>
-              </a:solidFill>
-            </a:endParaRPr>
           </a:p>
         </p:txBody>
       </p:sp>
@@ -40331,6 +40318,13 @@
   <p:transition>
     <p:fade/>
   </p:transition>
+  <p:timing>
+    <p:tnLst>
+      <p:par>
+        <p:cTn id="1" dur="indefinite" restart="never" nodeType="tmRoot"/>
+      </p:par>
+    </p:tnLst>
+  </p:timing>
 </p:sld>
 </file>
 
@@ -41061,9 +41055,9 @@
       </p:sp>
       <p:pic>
         <p:nvPicPr>
-          <p:cNvPr id="4" name="Picture 3"/>
+          <p:cNvPr id="2050" name="Picture 2" descr="https://i.imgflip.com/49b5cn.jpg"/>
           <p:cNvPicPr>
-            <a:picLocks noChangeAspect="1"/>
+            <a:picLocks noChangeAspect="1" noChangeArrowheads="1"/>
           </p:cNvPicPr>
           <p:nvPr/>
         </p:nvPicPr>
@@ -41075,18 +41069,29 @@
               </a:ext>
             </a:extLst>
           </a:blip>
+          <a:srcRect/>
           <a:stretch>
             <a:fillRect/>
           </a:stretch>
         </p:blipFill>
-        <p:spPr>
+        <p:spPr bwMode="auto">
           <a:xfrm>
-            <a:off x="6807200" y="1918854"/>
-            <a:ext cx="4481946" cy="4481946"/>
+            <a:off x="7160406" y="828869"/>
+            <a:ext cx="3934533" cy="5886061"/>
           </a:xfrm>
           <a:prstGeom prst="rect">
             <a:avLst/>
           </a:prstGeom>
+          <a:noFill/>
+          <a:extLst>
+            <a:ext uri="{909E8E84-426E-40DD-AFC4-6F175D3DCCD1}">
+              <a14:hiddenFill xmlns:a14="http://schemas.microsoft.com/office/drawing/2010/main">
+                <a:solidFill>
+                  <a:srgbClr val="FFFFFF"/>
+                </a:solidFill>
+              </a14:hiddenFill>
+            </a:ext>
+          </a:extLst>
         </p:spPr>
       </p:pic>
     </p:spTree>
@@ -41348,6 +41353,56 @@
           <a:chExt cx="0" cy="0"/>
         </a:xfrm>
       </p:grpSpPr>
+      <p:pic>
+        <p:nvPicPr>
+          <p:cNvPr id="1034" name="Picture 10" descr="Automation Framework"/>
+          <p:cNvPicPr>
+            <a:picLocks noChangeAspect="1" noChangeArrowheads="1"/>
+          </p:cNvPicPr>
+          <p:nvPr/>
+        </p:nvPicPr>
+        <p:blipFill>
+          <a:blip r:embed="rId2">
+            <a:extLst>
+              <a:ext uri="{BEBA8EAE-BF5A-486C-A8C5-ECC9F3942E4B}">
+                <a14:imgProps xmlns:a14="http://schemas.microsoft.com/office/drawing/2010/main">
+                  <a14:imgLayer r:embed="rId3">
+                    <a14:imgEffect>
+                      <a14:brightnessContrast bright="-43000"/>
+                    </a14:imgEffect>
+                  </a14:imgLayer>
+                </a14:imgProps>
+              </a:ext>
+              <a:ext uri="{28A0092B-C50C-407E-A947-70E740481C1C}">
+                <a14:useLocalDpi xmlns:a14="http://schemas.microsoft.com/office/drawing/2010/main" val="0"/>
+              </a:ext>
+            </a:extLst>
+          </a:blip>
+          <a:srcRect/>
+          <a:stretch>
+            <a:fillRect/>
+          </a:stretch>
+        </p:blipFill>
+        <p:spPr bwMode="auto">
+          <a:xfrm>
+            <a:off x="5742077" y="2270501"/>
+            <a:ext cx="2573826" cy="2573827"/>
+          </a:xfrm>
+          <a:prstGeom prst="rect">
+            <a:avLst/>
+          </a:prstGeom>
+          <a:noFill/>
+          <a:extLst>
+            <a:ext uri="{909E8E84-426E-40DD-AFC4-6F175D3DCCD1}">
+              <a14:hiddenFill xmlns:a14="http://schemas.microsoft.com/office/drawing/2010/main">
+                <a:solidFill>
+                  <a:srgbClr val="FFFFFF"/>
+                </a:solidFill>
+              </a14:hiddenFill>
+            </a:ext>
+          </a:extLst>
+        </p:spPr>
+      </p:pic>
       <p:sp>
         <p:nvSpPr>
           <p:cNvPr id="2" name="Title 1"/>
@@ -41436,34 +41491,229 @@
       </p:sp>
       <p:pic>
         <p:nvPicPr>
-          <p:cNvPr id="4" name="Picture 3"/>
+          <p:cNvPr id="1032" name="Picture 8" descr="[webp-to-png output image]"/>
           <p:cNvPicPr>
-            <a:picLocks noChangeAspect="1"/>
+            <a:picLocks noChangeAspect="1" noChangeArrowheads="1"/>
           </p:cNvPicPr>
           <p:nvPr/>
         </p:nvPicPr>
         <p:blipFill>
-          <a:blip r:embed="rId2">
+          <a:blip r:embed="rId4">
             <a:extLst>
               <a:ext uri="{28A0092B-C50C-407E-A947-70E740481C1C}">
                 <a14:useLocalDpi xmlns:a14="http://schemas.microsoft.com/office/drawing/2010/main" val="0"/>
               </a:ext>
             </a:extLst>
           </a:blip>
+          <a:srcRect/>
           <a:stretch>
             <a:fillRect/>
           </a:stretch>
         </p:blipFill>
-        <p:spPr>
+        <p:spPr bwMode="auto">
           <a:xfrm>
-            <a:off x="6568453" y="1672757"/>
-            <a:ext cx="4763165" cy="4639322"/>
+            <a:off x="5267903" y="1895300"/>
+            <a:ext cx="6096000" cy="3324226"/>
           </a:xfrm>
           <a:prstGeom prst="rect">
             <a:avLst/>
           </a:prstGeom>
+          <a:noFill/>
+          <a:extLst>
+            <a:ext uri="{909E8E84-426E-40DD-AFC4-6F175D3DCCD1}">
+              <a14:hiddenFill xmlns:a14="http://schemas.microsoft.com/office/drawing/2010/main">
+                <a:solidFill>
+                  <a:srgbClr val="FFFFFF"/>
+                </a:solidFill>
+              </a14:hiddenFill>
+            </a:ext>
+          </a:extLst>
         </p:spPr>
       </p:pic>
+      <p:sp>
+        <p:nvSpPr>
+          <p:cNvPr id="7" name="TextBox 6"/>
+          <p:cNvSpPr txBox="1"/>
+          <p:nvPr/>
+        </p:nvSpPr>
+        <p:spPr>
+          <a:xfrm>
+            <a:off x="7152688" y="2985868"/>
+            <a:ext cx="2911150" cy="433965"/>
+          </a:xfrm>
+          <a:prstGeom prst="rect">
+            <a:avLst/>
+          </a:prstGeom>
+          <a:noFill/>
+        </p:spPr>
+        <p:txBody>
+          <a:bodyPr wrap="square" lIns="91440" tIns="91440" rIns="91440" bIns="91440" rtlCol="0" anchor="t">
+            <a:spAutoFit/>
+          </a:bodyPr>
+          <a:lstStyle/>
+          <a:p>
+            <a:pPr>
+              <a:lnSpc>
+                <a:spcPct val="90000"/>
+              </a:lnSpc>
+              <a:spcAft>
+                <a:spcPts val="600"/>
+              </a:spcAft>
+            </a:pPr>
+            <a:r>
+              <a:rPr lang="en-US" b="1" dirty="0" smtClean="0">
+                <a:ln w="0">
+                  <a:noFill/>
+                </a:ln>
+                <a:solidFill>
+                  <a:schemeClr val="bg1"/>
+                </a:solidFill>
+              </a:rPr>
+              <a:t>wait, it’s all automated?</a:t>
+            </a:r>
+            <a:endParaRPr lang="en-US" b="1" dirty="0" smtClean="0">
+              <a:ln w="0">
+                <a:noFill/>
+              </a:ln>
+              <a:solidFill>
+                <a:schemeClr val="bg1"/>
+              </a:solidFill>
+            </a:endParaRPr>
+          </a:p>
+        </p:txBody>
+      </p:sp>
+      <p:sp>
+        <p:nvSpPr>
+          <p:cNvPr id="11" name="TextBox 10"/>
+          <p:cNvSpPr txBox="1"/>
+          <p:nvPr/>
+        </p:nvSpPr>
+        <p:spPr>
+          <a:xfrm>
+            <a:off x="8315903" y="1912413"/>
+            <a:ext cx="2286782" cy="433965"/>
+          </a:xfrm>
+          <a:prstGeom prst="rect">
+            <a:avLst/>
+          </a:prstGeom>
+          <a:noFill/>
+        </p:spPr>
+        <p:txBody>
+          <a:bodyPr wrap="square" lIns="91440" tIns="91440" rIns="91440" bIns="91440" rtlCol="0" anchor="t">
+            <a:spAutoFit/>
+          </a:bodyPr>
+          <a:lstStyle/>
+          <a:p>
+            <a:pPr>
+              <a:lnSpc>
+                <a:spcPct val="90000"/>
+              </a:lnSpc>
+              <a:spcAft>
+                <a:spcPts val="600"/>
+              </a:spcAft>
+            </a:pPr>
+            <a:r>
+              <a:rPr lang="en-US" b="1" dirty="0">
+                <a:ln w="0">
+                  <a:noFill/>
+                </a:ln>
+                <a:solidFill>
+                  <a:schemeClr val="bg1"/>
+                </a:solidFill>
+              </a:rPr>
+              <a:t>a</a:t>
+            </a:r>
+            <a:r>
+              <a:rPr lang="en-US" b="1" dirty="0" smtClean="0">
+                <a:ln w="0">
+                  <a:noFill/>
+                </a:ln>
+                <a:solidFill>
+                  <a:schemeClr val="bg1"/>
+                </a:solidFill>
+              </a:rPr>
+              <a:t>lways has been</a:t>
+            </a:r>
+            <a:endParaRPr lang="en-US" b="1" dirty="0" smtClean="0">
+              <a:ln w="0">
+                <a:noFill/>
+              </a:ln>
+              <a:solidFill>
+                <a:schemeClr val="bg1"/>
+              </a:solidFill>
+            </a:endParaRPr>
+          </a:p>
+        </p:txBody>
+      </p:sp>
+      <p:sp>
+        <p:nvSpPr>
+          <p:cNvPr id="8" name="Rectangle 7"/>
+          <p:cNvSpPr/>
+          <p:nvPr/>
+        </p:nvSpPr>
+        <p:spPr bwMode="auto">
+          <a:xfrm flipV="1">
+            <a:off x="8610589" y="3470540"/>
+            <a:ext cx="579281" cy="312412"/>
+          </a:xfrm>
+          <a:prstGeom prst="rect">
+            <a:avLst/>
+          </a:prstGeom>
+          <a:solidFill>
+            <a:srgbClr val="020206"/>
+          </a:solidFill>
+          <a:ln w="12700">
+            <a:noFill/>
+            <a:miter lim="800000"/>
+            <a:headEnd type="none" w="med" len="med"/>
+            <a:tailEnd type="none" w="med" len="med"/>
+          </a:ln>
+          <a:effectLst/>
+        </p:spPr>
+        <p:style>
+          <a:lnRef idx="1">
+            <a:schemeClr val="accent2"/>
+          </a:lnRef>
+          <a:fillRef idx="3">
+            <a:schemeClr val="accent2"/>
+          </a:fillRef>
+          <a:effectRef idx="2">
+            <a:schemeClr val="accent2"/>
+          </a:effectRef>
+          <a:fontRef idx="minor">
+            <a:schemeClr val="lt1"/>
+          </a:fontRef>
+        </p:style>
+        <p:txBody>
+          <a:bodyPr rot="0" spcFirstLastPara="0" vertOverflow="overflow" horzOverflow="overflow" vert="horz" wrap="square" lIns="91440" tIns="91440" rIns="91440" bIns="91440" numCol="1" spcCol="0" rtlCol="0" fromWordArt="0" anchor="ctr" anchorCtr="0" forceAA="0" compatLnSpc="1">
+            <a:prstTxWarp prst="textNoShape">
+              <a:avLst/>
+            </a:prstTxWarp>
+            <a:noAutofit/>
+          </a:bodyPr>
+          <a:lstStyle/>
+          <a:p>
+            <a:pPr algn="ctr" defTabSz="932472" fontAlgn="base">
+              <a:lnSpc>
+                <a:spcPct val="90000"/>
+              </a:lnSpc>
+              <a:spcBef>
+                <a:spcPct val="0"/>
+              </a:spcBef>
+              <a:spcAft>
+                <a:spcPct val="0"/>
+              </a:spcAft>
+            </a:pPr>
+            <a:endParaRPr lang="en-US" sz="1600" dirty="0" smtClean="0">
+              <a:solidFill>
+                <a:schemeClr val="tx1"/>
+              </a:solidFill>
+              <a:ea typeface="Segoe UI" pitchFamily="34" charset="0"/>
+              <a:cs typeface="Segoe UI" pitchFamily="34" charset="0"/>
+            </a:endParaRPr>
+          </a:p>
+        </p:txBody>
+      </p:sp>
     </p:spTree>
     <p:extLst>
       <p:ext uri="{BB962C8B-B14F-4D97-AF65-F5344CB8AC3E}">
@@ -42436,7 +42686,7 @@
           <a:p>
             <a:r>
               <a:rPr lang="en-US" dirty="0" smtClean="0"/>
-              <a:t>Cypress.io</a:t>
+              <a:t>Cypress.io Commands</a:t>
             </a:r>
             <a:endParaRPr lang="en-US" dirty="0"/>
           </a:p>
@@ -42452,74 +42702,226 @@
             <p:ph idx="1"/>
           </p:nvPr>
         </p:nvSpPr>
-        <p:spPr/>
+        <p:spPr>
+          <a:xfrm>
+            <a:off x="380999" y="811763"/>
+            <a:ext cx="11524861" cy="5589037"/>
+          </a:xfrm>
+        </p:spPr>
         <p:txBody>
           <a:bodyPr/>
           <a:lstStyle/>
           <a:p>
+            <a:pPr marL="0" indent="0">
+              <a:buNone/>
+            </a:pPr>
             <a:r>
-              <a:rPr lang="en-US" dirty="0" smtClean="0"/>
-              <a:t>Here are some Cypress commands we will be using</a:t>
+              <a:rPr lang="en-US" b="1" dirty="0" err="1" smtClean="0">
+                <a:solidFill>
+                  <a:srgbClr val="000000"/>
+                </a:solidFill>
+                <a:latin typeface="Consolas" panose="020B0609020204030204" pitchFamily="49" charset="0"/>
+              </a:rPr>
+              <a:t>cy.visit</a:t>
             </a:r>
-          </a:p>
-          <a:p>
-            <a:pPr lvl="1"/>
             <a:r>
-              <a:rPr lang="en-US" dirty="0" err="1" smtClean="0"/>
-              <a:t>Cy.visit</a:t>
+              <a:rPr lang="en-US" b="1" dirty="0" smtClean="0">
+                <a:solidFill>
+                  <a:srgbClr val="000000"/>
+                </a:solidFill>
+                <a:latin typeface="Consolas" panose="020B0609020204030204" pitchFamily="49" charset="0"/>
+              </a:rPr>
+              <a:t>()</a:t>
+            </a:r>
+            <a:r>
+              <a:rPr lang="en-US" b="1" dirty="0"/>
+              <a:t> </a:t>
             </a:r>
             <a:r>
               <a:rPr lang="en-US" dirty="0" smtClean="0"/>
-              <a:t>() – visits the specified URL</a:t>
+              <a:t>–</a:t>
             </a:r>
-            <a:endParaRPr lang="en-US" dirty="0"/>
-          </a:p>
-          <a:p>
-            <a:pPr lvl="2"/>
+            <a:r>
+              <a:rPr lang="en-US" dirty="0"/>
+              <a:t> </a:t>
+            </a:r>
+            <a:r>
+              <a:rPr lang="en-US" dirty="0" smtClean="0"/>
+              <a:t>visits </a:t>
+            </a:r>
+            <a:r>
+              <a:rPr lang="en-US" dirty="0" smtClean="0"/>
+              <a:t>the specified URL</a:t>
+            </a:r>
+          </a:p>
+          <a:p>
+            <a:pPr lvl="1"/>
             <a:r>
               <a:rPr lang="en-US" dirty="0" smtClean="0"/>
               <a:t>Ex. </a:t>
             </a:r>
             <a:r>
-              <a:rPr lang="en-US" dirty="0" err="1" smtClean="0"/>
-              <a:t>Cy.visit</a:t>
+              <a:rPr lang="en-US" dirty="0" err="1">
+                <a:solidFill>
+                  <a:srgbClr val="000000"/>
+                </a:solidFill>
+                <a:latin typeface="Consolas" panose="020B0609020204030204" pitchFamily="49" charset="0"/>
+              </a:rPr>
+              <a:t>cy.visit</a:t>
+            </a:r>
+            <a:r>
+              <a:rPr lang="en-US" dirty="0">
+                <a:solidFill>
+                  <a:srgbClr val="000000"/>
+                </a:solidFill>
+                <a:latin typeface="Consolas" panose="020B0609020204030204" pitchFamily="49" charset="0"/>
+              </a:rPr>
+              <a:t>(</a:t>
+            </a:r>
+            <a:r>
+              <a:rPr lang="en-US" dirty="0">
+                <a:solidFill>
+                  <a:srgbClr val="A31515"/>
+                </a:solidFill>
+                <a:latin typeface="Consolas" panose="020B0609020204030204" pitchFamily="49" charset="0"/>
+              </a:rPr>
+              <a:t>'https://www.saucedemo.com'</a:t>
+            </a:r>
+            <a:r>
+              <a:rPr lang="en-US" dirty="0">
+                <a:solidFill>
+                  <a:srgbClr val="000000"/>
+                </a:solidFill>
+                <a:latin typeface="Consolas" panose="020B0609020204030204" pitchFamily="49" charset="0"/>
+              </a:rPr>
+              <a:t>)</a:t>
+            </a:r>
+          </a:p>
+          <a:p>
+            <a:pPr marL="0" indent="0">
+              <a:buNone/>
+            </a:pPr>
+            <a:r>
+              <a:rPr lang="en-US" b="1" dirty="0" err="1" smtClean="0">
+                <a:solidFill>
+                  <a:srgbClr val="000000"/>
+                </a:solidFill>
+                <a:latin typeface="Consolas" panose="020B0609020204030204" pitchFamily="49" charset="0"/>
+              </a:rPr>
+              <a:t>cy.get</a:t>
+            </a:r>
+            <a:r>
+              <a:rPr lang="en-US" b="1" dirty="0" smtClean="0">
+                <a:solidFill>
+                  <a:srgbClr val="000000"/>
+                </a:solidFill>
+                <a:latin typeface="Consolas" panose="020B0609020204030204" pitchFamily="49" charset="0"/>
+              </a:rPr>
+              <a:t>()</a:t>
+            </a:r>
+            <a:r>
+              <a:rPr lang="en-US" b="1" dirty="0" smtClean="0">
+                <a:solidFill>
+                  <a:srgbClr val="000000"/>
+                </a:solidFill>
+              </a:rPr>
+              <a:t> </a:t>
             </a:r>
             <a:r>
               <a:rPr lang="en-US" dirty="0" smtClean="0"/>
-              <a:t>(‘https://www.saucedemo.com’)</a:t>
+              <a:t>– gets a specified element on the page</a:t>
             </a:r>
           </a:p>
           <a:p>
             <a:pPr lvl="1"/>
-            <a:r>
-              <a:rPr lang="en-US" dirty="0" err="1" smtClean="0"/>
-              <a:t>Cy.get</a:t>
-            </a:r>
-            <a:r>
-              <a:rPr lang="en-US" dirty="0" smtClean="0"/>
-              <a:t>() – gets a specified element on the page</a:t>
-            </a:r>
-          </a:p>
-          <a:p>
-            <a:pPr lvl="2"/>
             <a:r>
               <a:rPr lang="en-US" dirty="0" smtClean="0"/>
               <a:t>Ex. </a:t>
             </a:r>
             <a:r>
-              <a:rPr lang="en-US" dirty="0" err="1" smtClean="0"/>
-              <a:t>Cy.get</a:t>
+              <a:rPr lang="en-US" dirty="0" err="1">
+                <a:solidFill>
+                  <a:srgbClr val="000000"/>
+                </a:solidFill>
+                <a:latin typeface="Consolas" panose="020B0609020204030204" pitchFamily="49" charset="0"/>
+              </a:rPr>
+              <a:t>cy.get</a:t>
+            </a:r>
+            <a:r>
+              <a:rPr lang="en-US" dirty="0">
+                <a:solidFill>
+                  <a:srgbClr val="000000"/>
+                </a:solidFill>
+                <a:latin typeface="Consolas" panose="020B0609020204030204" pitchFamily="49" charset="0"/>
+              </a:rPr>
+              <a:t>(</a:t>
+            </a:r>
+            <a:r>
+              <a:rPr lang="en-US" dirty="0">
+                <a:solidFill>
+                  <a:srgbClr val="A31515"/>
+                </a:solidFill>
+                <a:latin typeface="Consolas" panose="020B0609020204030204" pitchFamily="49" charset="0"/>
+              </a:rPr>
+              <a:t>'element</a:t>
+            </a:r>
+            <a:r>
+              <a:rPr lang="en-US" dirty="0" smtClean="0">
+                <a:solidFill>
+                  <a:srgbClr val="A31515"/>
+                </a:solidFill>
+                <a:latin typeface="Consolas" panose="020B0609020204030204" pitchFamily="49" charset="0"/>
+              </a:rPr>
+              <a:t>'</a:t>
+            </a:r>
+            <a:r>
+              <a:rPr lang="en-US" dirty="0" smtClean="0">
+                <a:solidFill>
+                  <a:srgbClr val="000000"/>
+                </a:solidFill>
+                <a:latin typeface="Consolas" panose="020B0609020204030204" pitchFamily="49" charset="0"/>
+              </a:rPr>
+              <a:t>)</a:t>
+            </a:r>
+            <a:endParaRPr lang="en-US" dirty="0" smtClean="0"/>
+          </a:p>
+          <a:p>
+            <a:pPr marL="0" indent="0">
+              <a:buNone/>
+            </a:pPr>
+            <a:r>
+              <a:rPr lang="en-US" b="1" dirty="0" smtClean="0">
+                <a:solidFill>
+                  <a:schemeClr val="tx2">
+                    <a:lumMod val="50000"/>
+                  </a:schemeClr>
+                </a:solidFill>
+                <a:latin typeface="Consolas" panose="020B0609020204030204" pitchFamily="49" charset="0"/>
+              </a:rPr>
+              <a:t>.type</a:t>
+            </a:r>
+            <a:r>
+              <a:rPr lang="en-US" b="1" dirty="0" smtClean="0">
+                <a:solidFill>
+                  <a:schemeClr val="tx2">
+                    <a:lumMod val="50000"/>
+                  </a:schemeClr>
+                </a:solidFill>
+                <a:latin typeface="Consolas" panose="020B0609020204030204" pitchFamily="49" charset="0"/>
+              </a:rPr>
+              <a:t>()</a:t>
+            </a:r>
+            <a:r>
+              <a:rPr lang="en-US" b="1" dirty="0" smtClean="0"/>
+              <a:t> </a:t>
             </a:r>
             <a:r>
               <a:rPr lang="en-US" dirty="0" smtClean="0"/>
-              <a:t>(‘element’)</a:t>
+              <a:t>– types characters into the selected element </a:t>
             </a:r>
-          </a:p>
-          <a:p>
-            <a:pPr lvl="1"/>
             <a:r>
               <a:rPr lang="en-US" dirty="0" smtClean="0"/>
-              <a:t>.type() – types characters into the selected element (used with </a:t>
+              <a:t>(used with </a:t>
             </a:r>
             <a:r>
               <a:rPr lang="en-US" dirty="0" err="1" smtClean="0"/>
@@ -42531,33 +42933,106 @@
             </a:r>
           </a:p>
           <a:p>
-            <a:pPr lvl="2"/>
+            <a:pPr lvl="1"/>
             <a:r>
               <a:rPr lang="en-US" dirty="0" smtClean="0"/>
               <a:t>Ex. </a:t>
             </a:r>
             <a:r>
-              <a:rPr lang="en-US" dirty="0" err="1" smtClean="0"/>
-              <a:t>Cy.get</a:t>
+              <a:rPr lang="en-US" dirty="0" err="1">
+                <a:solidFill>
+                  <a:srgbClr val="000000"/>
+                </a:solidFill>
+                <a:latin typeface="Consolas" panose="020B0609020204030204" pitchFamily="49" charset="0"/>
+              </a:rPr>
+              <a:t>cy.get</a:t>
+            </a:r>
+            <a:r>
+              <a:rPr lang="en-US" dirty="0">
+                <a:solidFill>
+                  <a:srgbClr val="000000"/>
+                </a:solidFill>
+                <a:latin typeface="Consolas" panose="020B0609020204030204" pitchFamily="49" charset="0"/>
+              </a:rPr>
+              <a:t>(</a:t>
+            </a:r>
+            <a:r>
+              <a:rPr lang="en-US" dirty="0">
+                <a:solidFill>
+                  <a:srgbClr val="A31515"/>
+                </a:solidFill>
+                <a:latin typeface="Consolas" panose="020B0609020204030204" pitchFamily="49" charset="0"/>
+              </a:rPr>
+              <a:t>'element'</a:t>
+            </a:r>
+            <a:r>
+              <a:rPr lang="en-US" dirty="0">
+                <a:solidFill>
+                  <a:srgbClr val="000000"/>
+                </a:solidFill>
+                <a:latin typeface="Consolas" panose="020B0609020204030204" pitchFamily="49" charset="0"/>
+              </a:rPr>
+              <a:t>).type(</a:t>
+            </a:r>
+            <a:r>
+              <a:rPr lang="en-US" dirty="0">
+                <a:solidFill>
+                  <a:srgbClr val="A31515"/>
+                </a:solidFill>
+                <a:latin typeface="Consolas" panose="020B0609020204030204" pitchFamily="49" charset="0"/>
+              </a:rPr>
+              <a:t>'Lorem </a:t>
+            </a:r>
+            <a:r>
+              <a:rPr lang="en-US" dirty="0" err="1">
+                <a:solidFill>
+                  <a:srgbClr val="A31515"/>
+                </a:solidFill>
+                <a:latin typeface="Consolas" panose="020B0609020204030204" pitchFamily="49" charset="0"/>
+              </a:rPr>
+              <a:t>Ipsem</a:t>
+            </a:r>
+            <a:r>
+              <a:rPr lang="en-US" dirty="0">
+                <a:solidFill>
+                  <a:srgbClr val="A31515"/>
+                </a:solidFill>
+                <a:latin typeface="Consolas" panose="020B0609020204030204" pitchFamily="49" charset="0"/>
+              </a:rPr>
+              <a:t>'</a:t>
+            </a:r>
+            <a:r>
+              <a:rPr lang="en-US" dirty="0">
+                <a:solidFill>
+                  <a:srgbClr val="000000"/>
+                </a:solidFill>
+                <a:latin typeface="Consolas" panose="020B0609020204030204" pitchFamily="49" charset="0"/>
+              </a:rPr>
+              <a:t>)</a:t>
+            </a:r>
+          </a:p>
+          <a:p>
+            <a:pPr marL="0" indent="0">
+              <a:buNone/>
+            </a:pPr>
+            <a:r>
+              <a:rPr lang="en-US" b="1" dirty="0" smtClean="0">
+                <a:solidFill>
+                  <a:schemeClr val="tx2">
+                    <a:lumMod val="50000"/>
+                  </a:schemeClr>
+                </a:solidFill>
+                <a:latin typeface="Consolas" panose="020B0609020204030204" pitchFamily="49" charset="0"/>
+              </a:rPr>
+              <a:t>.click()</a:t>
+            </a:r>
+            <a:r>
+              <a:rPr lang="en-US" b="1" dirty="0" smtClean="0"/>
+              <a:t> </a:t>
             </a:r>
             <a:r>
               <a:rPr lang="en-US" dirty="0" smtClean="0"/>
-              <a:t>(‘element).type(‘Lorem </a:t>
-            </a:r>
-            <a:r>
-              <a:rPr lang="en-US" dirty="0" err="1" smtClean="0"/>
-              <a:t>Ipsem</a:t>
-            </a:r>
-            <a:r>
-              <a:rPr lang="en-US" dirty="0" smtClean="0"/>
-              <a:t>’)</a:t>
-            </a:r>
-          </a:p>
-          <a:p>
-            <a:pPr lvl="1"/>
-            <a:r>
-              <a:rPr lang="en-US" dirty="0" smtClean="0"/>
-              <a:t>.click() – clicks on the selected element (used with </a:t>
+              <a:t>– clicks on the selected element (used with </a:t>
             </a:r>
             <a:r>
               <a:rPr lang="en-US" dirty="0" err="1" smtClean="0"/>
@@ -42569,25 +43044,99 @@
             </a:r>
           </a:p>
           <a:p>
-            <a:pPr lvl="2"/>
+            <a:pPr lvl="1"/>
             <a:r>
               <a:rPr lang="en-US" dirty="0" smtClean="0"/>
               <a:t>Ex. </a:t>
             </a:r>
             <a:r>
-              <a:rPr lang="en-US" dirty="0" err="1" smtClean="0"/>
-              <a:t>Cy.get</a:t>
+              <a:rPr lang="en-US" dirty="0" err="1">
+                <a:solidFill>
+                  <a:srgbClr val="000000"/>
+                </a:solidFill>
+                <a:latin typeface="Consolas" panose="020B0609020204030204" pitchFamily="49" charset="0"/>
+              </a:rPr>
+              <a:t>cy.get</a:t>
+            </a:r>
+            <a:r>
+              <a:rPr lang="en-US" dirty="0">
+                <a:solidFill>
+                  <a:srgbClr val="000000"/>
+                </a:solidFill>
+                <a:latin typeface="Consolas" panose="020B0609020204030204" pitchFamily="49" charset="0"/>
+              </a:rPr>
+              <a:t>(</a:t>
+            </a:r>
+            <a:r>
+              <a:rPr lang="en-US" dirty="0">
+                <a:solidFill>
+                  <a:srgbClr val="A31515"/>
+                </a:solidFill>
+                <a:latin typeface="Consolas" panose="020B0609020204030204" pitchFamily="49" charset="0"/>
+              </a:rPr>
+              <a:t>'element'</a:t>
+            </a:r>
+            <a:r>
+              <a:rPr lang="en-US" dirty="0">
+                <a:solidFill>
+                  <a:srgbClr val="000000"/>
+                </a:solidFill>
+                <a:latin typeface="Consolas" panose="020B0609020204030204" pitchFamily="49" charset="0"/>
+              </a:rPr>
+              <a:t>).click</a:t>
+            </a:r>
+            <a:r>
+              <a:rPr lang="en-US" dirty="0" smtClean="0">
+                <a:solidFill>
+                  <a:srgbClr val="000000"/>
+                </a:solidFill>
+                <a:latin typeface="Consolas" panose="020B0609020204030204" pitchFamily="49" charset="0"/>
+              </a:rPr>
+              <a:t>()</a:t>
+            </a:r>
+            <a:endParaRPr lang="en-US" dirty="0" smtClean="0"/>
+          </a:p>
+          <a:p>
+            <a:pPr marL="0" indent="0">
+              <a:buNone/>
+            </a:pPr>
+            <a:r>
+              <a:rPr lang="en-US" b="1" dirty="0" smtClean="0">
+                <a:solidFill>
+                  <a:schemeClr val="tx2">
+                    <a:lumMod val="50000"/>
+                  </a:schemeClr>
+                </a:solidFill>
+                <a:latin typeface="Consolas" panose="020B0609020204030204" pitchFamily="49" charset="0"/>
+              </a:rPr>
+              <a:t>.</a:t>
+            </a:r>
+            <a:r>
+              <a:rPr lang="en-US" b="1" dirty="0" smtClean="0">
+                <a:solidFill>
+                  <a:schemeClr val="tx2">
+                    <a:lumMod val="50000"/>
+                  </a:schemeClr>
+                </a:solidFill>
+                <a:latin typeface="Consolas" panose="020B0609020204030204" pitchFamily="49" charset="0"/>
+              </a:rPr>
+              <a:t>should()</a:t>
             </a:r>
             <a:r>
               <a:rPr lang="en-US" dirty="0" smtClean="0"/>
-              <a:t>(‘element’).click()</a:t>
+              <a:t> – </a:t>
             </a:r>
-          </a:p>
-          <a:p>
-            <a:pPr lvl="1"/>
             <a:r>
               <a:rPr lang="en-US" dirty="0" smtClean="0"/>
-              <a:t>.should() – verified an element is as expected (used with </a:t>
+              <a:t>verifies </a:t>
+            </a:r>
+            <a:r>
+              <a:rPr lang="en-US" dirty="0" smtClean="0"/>
+              <a:t>an element is as expected </a:t>
+            </a:r>
+            <a:r>
+              <a:rPr lang="en-US" dirty="0" smtClean="0"/>
+              <a:t>(used with </a:t>
             </a:r>
             <a:r>
               <a:rPr lang="en-US" dirty="0" err="1" smtClean="0"/>
@@ -42599,27 +43148,108 @@
             </a:r>
           </a:p>
           <a:p>
-            <a:pPr lvl="2"/>
+            <a:pPr lvl="1"/>
             <a:r>
               <a:rPr lang="en-US" dirty="0" smtClean="0"/>
               <a:t>Ex. </a:t>
             </a:r>
             <a:r>
-              <a:rPr lang="en-US" dirty="0" err="1" smtClean="0"/>
-              <a:t>Cy.get</a:t>
+              <a:rPr lang="en-US" dirty="0" err="1" smtClean="0">
+                <a:solidFill>
+                  <a:srgbClr val="000000"/>
+                </a:solidFill>
+                <a:latin typeface="Consolas" panose="020B0609020204030204" pitchFamily="49" charset="0"/>
+              </a:rPr>
+              <a:t>cy.get</a:t>
             </a:r>
             <a:r>
-              <a:rPr lang="en-US" dirty="0" smtClean="0"/>
-              <a:t>(‘element).should(‘contain’, ‘Lorem </a:t>
+              <a:rPr lang="en-US" dirty="0">
+                <a:solidFill>
+                  <a:srgbClr val="000000"/>
+                </a:solidFill>
+                <a:latin typeface="Consolas" panose="020B0609020204030204" pitchFamily="49" charset="0"/>
+              </a:rPr>
+              <a:t>(</a:t>
             </a:r>
             <a:r>
-              <a:rPr lang="en-US" dirty="0" err="1" smtClean="0"/>
+              <a:rPr lang="en-US" dirty="0">
+                <a:solidFill>
+                  <a:srgbClr val="A31515"/>
+                </a:solidFill>
+                <a:latin typeface="Consolas" panose="020B0609020204030204" pitchFamily="49" charset="0"/>
+              </a:rPr>
+              <a:t>'element'</a:t>
+            </a:r>
+            <a:r>
+              <a:rPr lang="en-US" dirty="0">
+                <a:solidFill>
+                  <a:srgbClr val="000000"/>
+                </a:solidFill>
+                <a:latin typeface="Consolas" panose="020B0609020204030204" pitchFamily="49" charset="0"/>
+              </a:rPr>
+              <a:t>).should(</a:t>
+            </a:r>
+            <a:r>
+              <a:rPr lang="en-US" dirty="0">
+                <a:solidFill>
+                  <a:srgbClr val="A31515"/>
+                </a:solidFill>
+                <a:latin typeface="Consolas" panose="020B0609020204030204" pitchFamily="49" charset="0"/>
+              </a:rPr>
+              <a:t>'contain'</a:t>
+            </a:r>
+            <a:r>
+              <a:rPr lang="en-US" dirty="0">
+                <a:solidFill>
+                  <a:srgbClr val="000000"/>
+                </a:solidFill>
+                <a:latin typeface="Consolas" panose="020B0609020204030204" pitchFamily="49" charset="0"/>
+              </a:rPr>
+              <a:t>, </a:t>
+            </a:r>
+            <a:r>
+              <a:rPr lang="en-US" dirty="0">
+                <a:solidFill>
+                  <a:srgbClr val="A31515"/>
+                </a:solidFill>
+                <a:latin typeface="Consolas" panose="020B0609020204030204" pitchFamily="49" charset="0"/>
+              </a:rPr>
+              <a:t>'Lorem </a:t>
+            </a:r>
+            <a:r>
+              <a:rPr lang="en-US" dirty="0" err="1">
+                <a:solidFill>
+                  <a:srgbClr val="A31515"/>
+                </a:solidFill>
+                <a:latin typeface="Consolas" panose="020B0609020204030204" pitchFamily="49" charset="0"/>
+              </a:rPr>
               <a:t>Ipsem</a:t>
             </a:r>
             <a:r>
-              <a:rPr lang="en-US" dirty="0" smtClean="0"/>
-              <a:t>’)</a:t>
+              <a:rPr lang="en-US" dirty="0">
+                <a:solidFill>
+                  <a:srgbClr val="A31515"/>
+                </a:solidFill>
+                <a:latin typeface="Consolas" panose="020B0609020204030204" pitchFamily="49" charset="0"/>
+              </a:rPr>
+              <a:t>'</a:t>
             </a:r>
+            <a:r>
+              <a:rPr lang="en-US" dirty="0">
+                <a:solidFill>
+                  <a:srgbClr val="000000"/>
+                </a:solidFill>
+                <a:latin typeface="Consolas" panose="020B0609020204030204" pitchFamily="49" charset="0"/>
+              </a:rPr>
+              <a:t>)</a:t>
+            </a:r>
+            <a:endParaRPr lang="en-US" b="0" dirty="0">
+              <a:solidFill>
+                <a:srgbClr val="000000"/>
+              </a:solidFill>
+              <a:effectLst/>
+              <a:latin typeface="Consolas" panose="020B0609020204030204" pitchFamily="49" charset="0"/>
+            </a:endParaRPr>
           </a:p>
         </p:txBody>
       </p:sp>
@@ -42718,6 +43348,13 @@
   <p:transition>
     <p:fade/>
   </p:transition>
+  <p:timing>
+    <p:tnLst>
+      <p:par>
+        <p:cTn id="1" dur="indefinite" restart="never" nodeType="tmRoot"/>
+      </p:par>
+    </p:tnLst>
+  </p:timing>
 </p:sld>
 </file>
 

--- a/AutomatedTestingForBeginners.pptx
+++ b/AutomatedTestingForBeginners.pptx
@@ -6,7 +6,7 @@
     <p:sldMasterId id="2147483660" r:id="rId2"/>
   </p:sldMasterIdLst>
   <p:notesMasterIdLst>
-    <p:notesMasterId r:id="rId15"/>
+    <p:notesMasterId r:id="rId16"/>
   </p:notesMasterIdLst>
   <p:sldIdLst>
     <p:sldId id="263" r:id="rId3"/>
@@ -21,6 +21,7 @@
     <p:sldId id="270" r:id="rId12"/>
     <p:sldId id="274" r:id="rId13"/>
     <p:sldId id="272" r:id="rId14"/>
+    <p:sldId id="275" r:id="rId15"/>
   </p:sldIdLst>
   <p:sldSz cx="12192000" cy="6858000"/>
   <p:notesSz cx="6858000" cy="9144000"/>
@@ -209,7 +210,7 @@
           <a:p>
             <a:fld id="{7A3D1008-2C24-4284-994F-651622D2DF97}" type="datetimeFigureOut">
               <a:rPr lang="en-US" smtClean="0"/>
-              <a:t>7/24/2020</a:t>
+              <a:t>7/28/2020</a:t>
             </a:fld>
             <a:endParaRPr lang="en-US"/>
           </a:p>
@@ -707,7 +708,7 @@
           <a:p>
             <a:fld id="{76A19A57-ED36-4E02-A41B-0F1BA868C295}" type="datetimeFigureOut">
               <a:rPr lang="en-US" smtClean="0"/>
-              <a:t>7/24/2020</a:t>
+              <a:t>7/28/2020</a:t>
             </a:fld>
             <a:endParaRPr lang="en-US"/>
           </a:p>
@@ -877,7 +878,7 @@
           <a:p>
             <a:fld id="{76A19A57-ED36-4E02-A41B-0F1BA868C295}" type="datetimeFigureOut">
               <a:rPr lang="en-US" smtClean="0"/>
-              <a:t>7/24/2020</a:t>
+              <a:t>7/28/2020</a:t>
             </a:fld>
             <a:endParaRPr lang="en-US"/>
           </a:p>
@@ -1057,7 +1058,7 @@
           <a:p>
             <a:fld id="{76A19A57-ED36-4E02-A41B-0F1BA868C295}" type="datetimeFigureOut">
               <a:rPr lang="en-US" smtClean="0"/>
-              <a:t>7/24/2020</a:t>
+              <a:t>7/28/2020</a:t>
             </a:fld>
             <a:endParaRPr lang="en-US"/>
           </a:p>
@@ -1302,7 +1303,7 @@
             <a:fld id="{1C2D31DE-C454-491C-B5C3-F097855E3DF7}" type="datetime4">
               <a:rPr lang="en-US" smtClean="0"/>
               <a:pPr/>
-              <a:t>July 24, 2020</a:t>
+              <a:t>July 28, 2020</a:t>
             </a:fld>
             <a:endParaRPr lang="en-US" dirty="0"/>
           </a:p>
@@ -7707,7 +7708,7 @@
             <a:fld id="{1C2D31DE-C454-491C-B5C3-F097855E3DF7}" type="datetime4">
               <a:rPr lang="en-US" smtClean="0"/>
               <a:pPr/>
-              <a:t>July 24, 2020</a:t>
+              <a:t>July 28, 2020</a:t>
             </a:fld>
             <a:endParaRPr lang="en-US" dirty="0"/>
           </a:p>
@@ -11810,7 +11811,7 @@
             <a:fld id="{1C2D31DE-C454-491C-B5C3-F097855E3DF7}" type="datetime4">
               <a:rPr lang="en-US" smtClean="0"/>
               <a:pPr/>
-              <a:t>July 24, 2020</a:t>
+              <a:t>July 28, 2020</a:t>
             </a:fld>
             <a:endParaRPr lang="en-US" dirty="0"/>
           </a:p>
@@ -15300,7 +15301,7 @@
           <a:p>
             <a:fld id="{5958763E-B898-436D-883D-03711491D54A}" type="datetimeFigureOut">
               <a:rPr lang="en-US" smtClean="0"/>
-              <a:t>7/24/2020</a:t>
+              <a:t>7/28/2020</a:t>
             </a:fld>
             <a:endParaRPr lang="en-US" dirty="0"/>
           </a:p>
@@ -15779,7 +15780,7 @@
           <a:p>
             <a:fld id="{5958763E-B898-436D-883D-03711491D54A}" type="datetimeFigureOut">
               <a:rPr lang="en-US" smtClean="0"/>
-              <a:t>7/24/2020</a:t>
+              <a:t>7/28/2020</a:t>
             </a:fld>
             <a:endParaRPr lang="en-US" dirty="0"/>
           </a:p>
@@ -16634,7 +16635,7 @@
           <a:p>
             <a:fld id="{5958763E-B898-436D-883D-03711491D54A}" type="datetimeFigureOut">
               <a:rPr lang="en-US" smtClean="0"/>
-              <a:t>7/24/2020</a:t>
+              <a:t>7/28/2020</a:t>
             </a:fld>
             <a:endParaRPr lang="en-US" dirty="0"/>
           </a:p>
@@ -16849,7 +16850,7 @@
           <a:p>
             <a:fld id="{5958763E-B898-436D-883D-03711491D54A}" type="datetimeFigureOut">
               <a:rPr lang="en-US" smtClean="0"/>
-              <a:t>7/24/2020</a:t>
+              <a:t>7/28/2020</a:t>
             </a:fld>
             <a:endParaRPr lang="en-US" dirty="0"/>
           </a:p>
@@ -17186,7 +17187,7 @@
           <a:p>
             <a:fld id="{5958763E-B898-436D-883D-03711491D54A}" type="datetimeFigureOut">
               <a:rPr lang="en-US" smtClean="0"/>
-              <a:t>7/24/2020</a:t>
+              <a:t>7/28/2020</a:t>
             </a:fld>
             <a:endParaRPr lang="en-US" dirty="0"/>
           </a:p>
@@ -17371,7 +17372,7 @@
           <a:p>
             <a:fld id="{76A19A57-ED36-4E02-A41B-0F1BA868C295}" type="datetimeFigureOut">
               <a:rPr lang="en-US" smtClean="0"/>
-              <a:t>7/24/2020</a:t>
+              <a:t>7/28/2020</a:t>
             </a:fld>
             <a:endParaRPr lang="en-US"/>
           </a:p>
@@ -17593,7 +17594,7 @@
           <a:p>
             <a:fld id="{5958763E-B898-436D-883D-03711491D54A}" type="datetimeFigureOut">
               <a:rPr lang="en-US" smtClean="0"/>
-              <a:t>7/24/2020</a:t>
+              <a:t>7/28/2020</a:t>
             </a:fld>
             <a:endParaRPr lang="en-US" dirty="0"/>
           </a:p>
@@ -17958,7 +17959,7 @@
           <a:p>
             <a:fld id="{5958763E-B898-436D-883D-03711491D54A}" type="datetimeFigureOut">
               <a:rPr lang="en-US" smtClean="0"/>
-              <a:t>7/24/2020</a:t>
+              <a:t>7/28/2020</a:t>
             </a:fld>
             <a:endParaRPr lang="en-US" dirty="0"/>
           </a:p>
@@ -18160,7 +18161,7 @@
           <a:p>
             <a:fld id="{5958763E-B898-436D-883D-03711491D54A}" type="datetimeFigureOut">
               <a:rPr lang="en-US" smtClean="0"/>
-              <a:t>7/24/2020</a:t>
+              <a:t>7/28/2020</a:t>
             </a:fld>
             <a:endParaRPr lang="en-US" dirty="0"/>
           </a:p>
@@ -18411,7 +18412,7 @@
           <a:p>
             <a:fld id="{5958763E-B898-436D-883D-03711491D54A}" type="datetimeFigureOut">
               <a:rPr lang="en-US" smtClean="0"/>
-              <a:t>7/24/2020</a:t>
+              <a:t>7/28/2020</a:t>
             </a:fld>
             <a:endParaRPr lang="en-US" dirty="0"/>
           </a:p>
@@ -18712,7 +18713,7 @@
           <a:p>
             <a:fld id="{5958763E-B898-436D-883D-03711491D54A}" type="datetimeFigureOut">
               <a:rPr lang="en-US" smtClean="0"/>
-              <a:t>7/24/2020</a:t>
+              <a:t>7/28/2020</a:t>
             </a:fld>
             <a:endParaRPr lang="en-US" dirty="0"/>
           </a:p>
@@ -19132,7 +19133,7 @@
           <a:p>
             <a:fld id="{5958763E-B898-436D-883D-03711491D54A}" type="datetimeFigureOut">
               <a:rPr lang="en-US" smtClean="0"/>
-              <a:t>7/24/2020</a:t>
+              <a:t>7/28/2020</a:t>
             </a:fld>
             <a:endParaRPr lang="en-US" dirty="0"/>
           </a:p>
@@ -19638,7 +19639,7 @@
           <a:p>
             <a:fld id="{5958763E-B898-436D-883D-03711491D54A}" type="datetimeFigureOut">
               <a:rPr lang="en-US" smtClean="0"/>
-              <a:t>7/24/2020</a:t>
+              <a:t>7/28/2020</a:t>
             </a:fld>
             <a:endParaRPr lang="en-US" dirty="0"/>
           </a:p>
@@ -20142,7 +20143,7 @@
           <a:p>
             <a:fld id="{5958763E-B898-436D-883D-03711491D54A}" type="datetimeFigureOut">
               <a:rPr lang="en-US" smtClean="0"/>
-              <a:t>7/24/2020</a:t>
+              <a:t>7/28/2020</a:t>
             </a:fld>
             <a:endParaRPr lang="en-US" dirty="0"/>
           </a:p>
@@ -20757,7 +20758,7 @@
           <a:p>
             <a:fld id="{5958763E-B898-436D-883D-03711491D54A}" type="datetimeFigureOut">
               <a:rPr lang="en-US" smtClean="0"/>
-              <a:t>7/24/2020</a:t>
+              <a:t>7/28/2020</a:t>
             </a:fld>
             <a:endParaRPr lang="en-US" dirty="0"/>
           </a:p>
@@ -21533,7 +21534,7 @@
           <a:p>
             <a:fld id="{5958763E-B898-436D-883D-03711491D54A}" type="datetimeFigureOut">
               <a:rPr lang="en-US" smtClean="0"/>
-              <a:t>7/24/2020</a:t>
+              <a:t>7/28/2020</a:t>
             </a:fld>
             <a:endParaRPr lang="en-US" dirty="0"/>
           </a:p>
@@ -21782,7 +21783,7 @@
           <a:p>
             <a:fld id="{76A19A57-ED36-4E02-A41B-0F1BA868C295}" type="datetimeFigureOut">
               <a:rPr lang="en-US" smtClean="0"/>
-              <a:t>7/24/2020</a:t>
+              <a:t>7/28/2020</a:t>
             </a:fld>
             <a:endParaRPr lang="en-US"/>
           </a:p>
@@ -21883,7 +21884,7 @@
           <a:p>
             <a:fld id="{5958763E-B898-436D-883D-03711491D54A}" type="datetimeFigureOut">
               <a:rPr lang="en-US" smtClean="0"/>
-              <a:t>7/24/2020</a:t>
+              <a:t>7/28/2020</a:t>
             </a:fld>
             <a:endParaRPr lang="en-US" dirty="0"/>
           </a:p>
@@ -22007,7 +22008,7 @@
           <a:p>
             <a:fld id="{5958763E-B898-436D-883D-03711491D54A}" type="datetimeFigureOut">
               <a:rPr lang="en-US" smtClean="0"/>
-              <a:t>7/24/2020</a:t>
+              <a:t>7/28/2020</a:t>
             </a:fld>
             <a:endParaRPr lang="en-US" dirty="0"/>
           </a:p>
@@ -22131,7 +22132,7 @@
           <a:p>
             <a:fld id="{5958763E-B898-436D-883D-03711491D54A}" type="datetimeFigureOut">
               <a:rPr lang="en-US" smtClean="0"/>
-              <a:t>7/24/2020</a:t>
+              <a:t>7/28/2020</a:t>
             </a:fld>
             <a:endParaRPr lang="en-US" dirty="0"/>
           </a:p>
@@ -22262,7 +22263,7 @@
           <a:p>
             <a:fld id="{5958763E-B898-436D-883D-03711491D54A}" type="datetimeFigureOut">
               <a:rPr lang="en-US" smtClean="0"/>
-              <a:t>7/24/2020</a:t>
+              <a:t>7/28/2020</a:t>
             </a:fld>
             <a:endParaRPr lang="en-US" dirty="0"/>
           </a:p>
@@ -22386,7 +22387,7 @@
           <a:p>
             <a:fld id="{5958763E-B898-436D-883D-03711491D54A}" type="datetimeFigureOut">
               <a:rPr lang="en-US" smtClean="0"/>
-              <a:t>7/24/2020</a:t>
+              <a:t>7/28/2020</a:t>
             </a:fld>
             <a:endParaRPr lang="en-US" dirty="0"/>
           </a:p>
@@ -22510,7 +22511,7 @@
           <a:p>
             <a:fld id="{5958763E-B898-436D-883D-03711491D54A}" type="datetimeFigureOut">
               <a:rPr lang="en-US" smtClean="0"/>
-              <a:t>7/24/2020</a:t>
+              <a:t>7/28/2020</a:t>
             </a:fld>
             <a:endParaRPr lang="en-US" dirty="0"/>
           </a:p>
@@ -22634,7 +22635,7 @@
           <a:p>
             <a:fld id="{5958763E-B898-436D-883D-03711491D54A}" type="datetimeFigureOut">
               <a:rPr lang="en-US" smtClean="0"/>
-              <a:t>7/24/2020</a:t>
+              <a:t>7/28/2020</a:t>
             </a:fld>
             <a:endParaRPr lang="en-US" dirty="0"/>
           </a:p>
@@ -22758,7 +22759,7 @@
           <a:p>
             <a:fld id="{5958763E-B898-436D-883D-03711491D54A}" type="datetimeFigureOut">
               <a:rPr lang="en-US" smtClean="0"/>
-              <a:t>7/24/2020</a:t>
+              <a:t>7/28/2020</a:t>
             </a:fld>
             <a:endParaRPr lang="en-US" dirty="0"/>
           </a:p>
@@ -22882,7 +22883,7 @@
           <a:p>
             <a:fld id="{5958763E-B898-436D-883D-03711491D54A}" type="datetimeFigureOut">
               <a:rPr lang="en-US" smtClean="0"/>
-              <a:t>7/24/2020</a:t>
+              <a:t>7/28/2020</a:t>
             </a:fld>
             <a:endParaRPr lang="en-US" dirty="0"/>
           </a:p>
@@ -23015,7 +23016,7 @@
           <a:p>
             <a:fld id="{5958763E-B898-436D-883D-03711491D54A}" type="datetimeFigureOut">
               <a:rPr lang="en-US" smtClean="0"/>
-              <a:t>7/24/2020</a:t>
+              <a:t>7/28/2020</a:t>
             </a:fld>
             <a:endParaRPr lang="en-US" dirty="0"/>
           </a:p>
@@ -23262,7 +23263,7 @@
           <a:p>
             <a:fld id="{76A19A57-ED36-4E02-A41B-0F1BA868C295}" type="datetimeFigureOut">
               <a:rPr lang="en-US" smtClean="0"/>
-              <a:t>7/24/2020</a:t>
+              <a:t>7/28/2020</a:t>
             </a:fld>
             <a:endParaRPr lang="en-US"/>
           </a:p>
@@ -23363,7 +23364,7 @@
           <a:p>
             <a:fld id="{5958763E-B898-436D-883D-03711491D54A}" type="datetimeFigureOut">
               <a:rPr lang="en-US" smtClean="0"/>
-              <a:t>7/24/2020</a:t>
+              <a:t>7/28/2020</a:t>
             </a:fld>
             <a:endParaRPr lang="en-US" dirty="0"/>
           </a:p>
@@ -23733,7 +23734,7 @@
           <a:p>
             <a:fld id="{5958763E-B898-436D-883D-03711491D54A}" type="datetimeFigureOut">
               <a:rPr lang="en-US" smtClean="0"/>
-              <a:t>7/24/2020</a:t>
+              <a:t>7/28/2020</a:t>
             </a:fld>
             <a:endParaRPr lang="en-US" dirty="0"/>
           </a:p>
@@ -36346,7 +36347,7 @@
           <a:p>
             <a:fld id="{5958763E-B898-436D-883D-03711491D54A}" type="datetimeFigureOut">
               <a:rPr lang="en-US" smtClean="0"/>
-              <a:t>7/24/2020</a:t>
+              <a:t>7/28/2020</a:t>
             </a:fld>
             <a:endParaRPr lang="en-US" dirty="0"/>
           </a:p>
@@ -36647,7 +36648,7 @@
           <a:p>
             <a:fld id="{5958763E-B898-436D-883D-03711491D54A}" type="datetimeFigureOut">
               <a:rPr lang="en-US" smtClean="0"/>
-              <a:t>7/24/2020</a:t>
+              <a:t>7/28/2020</a:t>
             </a:fld>
             <a:endParaRPr lang="en-US" dirty="0"/>
           </a:p>
@@ -36850,7 +36851,7 @@
           <a:p>
             <a:fld id="{5958763E-B898-436D-883D-03711491D54A}" type="datetimeFigureOut">
               <a:rPr lang="en-US" smtClean="0"/>
-              <a:t>7/24/2020</a:t>
+              <a:t>7/28/2020</a:t>
             </a:fld>
             <a:endParaRPr lang="en-US" dirty="0"/>
           </a:p>
@@ -37113,7 +37114,7 @@
           <a:p>
             <a:fld id="{5958763E-B898-436D-883D-03711491D54A}" type="datetimeFigureOut">
               <a:rPr lang="en-US" smtClean="0"/>
-              <a:t>7/24/2020</a:t>
+              <a:t>7/28/2020</a:t>
             </a:fld>
             <a:endParaRPr lang="en-US" dirty="0"/>
           </a:p>
@@ -37556,7 +37557,7 @@
           <a:p>
             <a:fld id="{76A19A57-ED36-4E02-A41B-0F1BA868C295}" type="datetimeFigureOut">
               <a:rPr lang="en-US" smtClean="0"/>
-              <a:t>7/24/2020</a:t>
+              <a:t>7/28/2020</a:t>
             </a:fld>
             <a:endParaRPr lang="en-US"/>
           </a:p>
@@ -37674,7 +37675,7 @@
           <a:p>
             <a:fld id="{76A19A57-ED36-4E02-A41B-0F1BA868C295}" type="datetimeFigureOut">
               <a:rPr lang="en-US" smtClean="0"/>
-              <a:t>7/24/2020</a:t>
+              <a:t>7/28/2020</a:t>
             </a:fld>
             <a:endParaRPr lang="en-US"/>
           </a:p>
@@ -37769,7 +37770,7 @@
           <a:p>
             <a:fld id="{76A19A57-ED36-4E02-A41B-0F1BA868C295}" type="datetimeFigureOut">
               <a:rPr lang="en-US" smtClean="0"/>
-              <a:t>7/24/2020</a:t>
+              <a:t>7/28/2020</a:t>
             </a:fld>
             <a:endParaRPr lang="en-US"/>
           </a:p>
@@ -38046,7 +38047,7 @@
           <a:p>
             <a:fld id="{76A19A57-ED36-4E02-A41B-0F1BA868C295}" type="datetimeFigureOut">
               <a:rPr lang="en-US" smtClean="0"/>
-              <a:t>7/24/2020</a:t>
+              <a:t>7/28/2020</a:t>
             </a:fld>
             <a:endParaRPr lang="en-US"/>
           </a:p>
@@ -38299,7 +38300,7 @@
           <a:p>
             <a:fld id="{76A19A57-ED36-4E02-A41B-0F1BA868C295}" type="datetimeFigureOut">
               <a:rPr lang="en-US" smtClean="0"/>
-              <a:t>7/24/2020</a:t>
+              <a:t>7/28/2020</a:t>
             </a:fld>
             <a:endParaRPr lang="en-US"/>
           </a:p>
@@ -38512,7 +38513,7 @@
           <a:p>
             <a:fld id="{76A19A57-ED36-4E02-A41B-0F1BA868C295}" type="datetimeFigureOut">
               <a:rPr lang="en-US" smtClean="0"/>
-              <a:t>7/24/2020</a:t>
+              <a:t>7/28/2020</a:t>
             </a:fld>
             <a:endParaRPr lang="en-US"/>
           </a:p>
@@ -39070,7 +39071,7 @@
           <a:p>
             <a:fld id="{5958763E-B898-436D-883D-03711491D54A}" type="datetimeFigureOut">
               <a:rPr lang="en-US" smtClean="0"/>
-              <a:t>7/24/2020</a:t>
+              <a:t>7/28/2020</a:t>
             </a:fld>
             <a:endParaRPr lang="en-US" dirty="0"/>
           </a:p>
@@ -39654,7 +39655,7 @@
             <a:fld id="{1C2D31DE-C454-491C-B5C3-F097855E3DF7}" type="datetime4">
               <a:rPr lang="en-US" smtClean="0"/>
               <a:pPr/>
-              <a:t>July 24, 2020</a:t>
+              <a:t>July 28, 2020</a:t>
             </a:fld>
             <a:endParaRPr lang="en-US" dirty="0"/>
           </a:p>
@@ -40156,8 +40157,12 @@
           <a:lstStyle/>
           <a:p>
             <a:r>
+              <a:rPr lang="en-US" smtClean="0"/>
+              <a:t>Volunteers </a:t>
+            </a:r>
+            <a:r>
               <a:rPr lang="en-US" dirty="0" smtClean="0"/>
-              <a:t>Volunteer to share their screen and explain the steps?</a:t>
+              <a:t>to share their screen and explain the steps?</a:t>
             </a:r>
             <a:endParaRPr lang="en-US" dirty="0"/>
           </a:p>
@@ -40318,13 +40323,97 @@
   <p:transition>
     <p:fade/>
   </p:transition>
-  <p:timing>
-    <p:tnLst>
-      <p:par>
-        <p:cTn id="1" dur="indefinite" restart="never" nodeType="tmRoot"/>
-      </p:par>
-    </p:tnLst>
-  </p:timing>
+</p:sld>
+</file>
+
+<file path=ppt/slides/slide13.xml><?xml version="1.0" encoding="utf-8"?>
+<p:sld xmlns:a="http://schemas.openxmlformats.org/drawingml/2006/main" xmlns:r="http://schemas.openxmlformats.org/officeDocument/2006/relationships" xmlns:p="http://schemas.openxmlformats.org/presentationml/2006/main">
+  <p:cSld>
+    <p:spTree>
+      <p:nvGrpSpPr>
+        <p:cNvPr id="1" name=""/>
+        <p:cNvGrpSpPr/>
+        <p:nvPr/>
+      </p:nvGrpSpPr>
+      <p:grpSpPr>
+        <a:xfrm>
+          <a:off x="0" y="0"/>
+          <a:ext cx="0" cy="0"/>
+          <a:chOff x="0" y="0"/>
+          <a:chExt cx="0" cy="0"/>
+        </a:xfrm>
+      </p:grpSpPr>
+      <p:sp>
+        <p:nvSpPr>
+          <p:cNvPr id="2" name="Title 1"/>
+          <p:cNvSpPr>
+            <a:spLocks noGrp="1"/>
+          </p:cNvSpPr>
+          <p:nvPr>
+            <p:ph type="title"/>
+          </p:nvPr>
+        </p:nvSpPr>
+        <p:spPr/>
+        <p:txBody>
+          <a:bodyPr/>
+          <a:lstStyle/>
+          <a:p>
+            <a:r>
+              <a:rPr lang="en-US" dirty="0" smtClean="0"/>
+              <a:t>Careers using automated testing</a:t>
+            </a:r>
+            <a:endParaRPr lang="en-US" dirty="0"/>
+          </a:p>
+        </p:txBody>
+      </p:sp>
+      <p:sp>
+        <p:nvSpPr>
+          <p:cNvPr id="3" name="Content Placeholder 2"/>
+          <p:cNvSpPr>
+            <a:spLocks noGrp="1"/>
+          </p:cNvSpPr>
+          <p:nvPr>
+            <p:ph idx="1"/>
+          </p:nvPr>
+        </p:nvSpPr>
+        <p:spPr/>
+        <p:txBody>
+          <a:bodyPr/>
+          <a:lstStyle/>
+          <a:p>
+            <a:r>
+              <a:rPr lang="en-US" dirty="0" smtClean="0"/>
+              <a:t>QA Analyst</a:t>
+            </a:r>
+          </a:p>
+          <a:p>
+            <a:r>
+              <a:rPr lang="en-US" dirty="0" smtClean="0"/>
+              <a:t>QA Engineer</a:t>
+            </a:r>
+          </a:p>
+          <a:p>
+            <a:r>
+              <a:rPr lang="en-US" dirty="0" smtClean="0"/>
+              <a:t>Software Development Engineer in Test (SDET)</a:t>
+            </a:r>
+            <a:endParaRPr lang="en-US" dirty="0"/>
+          </a:p>
+        </p:txBody>
+      </p:sp>
+    </p:spTree>
+    <p:extLst>
+      <p:ext uri="{BB962C8B-B14F-4D97-AF65-F5344CB8AC3E}">
+        <p14:creationId xmlns:p14="http://schemas.microsoft.com/office/powerpoint/2010/main" val="2186108525"/>
+      </p:ext>
+    </p:extLst>
+  </p:cSld>
+  <p:clrMapOvr>
+    <a:masterClrMapping/>
+  </p:clrMapOvr>
+  <p:transition>
+    <p:fade/>
+  </p:transition>
 </p:sld>
 </file>
 
@@ -41055,7 +41144,7 @@
       </p:sp>
       <p:pic>
         <p:nvPicPr>
-          <p:cNvPr id="2050" name="Picture 2" descr="https://i.imgflip.com/49b5cn.jpg"/>
+          <p:cNvPr id="5" name="Picture 2" descr="https://i.imgflip.com/49b5cn.jpg"/>
           <p:cNvPicPr>
             <a:picLocks noChangeAspect="1" noChangeArrowheads="1"/>
           </p:cNvPicPr>
@@ -41353,9 +41442,95 @@
           <a:chExt cx="0" cy="0"/>
         </a:xfrm>
       </p:grpSpPr>
+      <p:sp>
+        <p:nvSpPr>
+          <p:cNvPr id="2" name="Title 1"/>
+          <p:cNvSpPr>
+            <a:spLocks noGrp="1"/>
+          </p:cNvSpPr>
+          <p:nvPr>
+            <p:ph type="title"/>
+          </p:nvPr>
+        </p:nvSpPr>
+        <p:spPr/>
+        <p:txBody>
+          <a:bodyPr/>
+          <a:lstStyle/>
+          <a:p>
+            <a:r>
+              <a:rPr lang="en-US" dirty="0" smtClean="0"/>
+              <a:t>Popular automated testing frameworks</a:t>
+            </a:r>
+            <a:endParaRPr lang="en-US" dirty="0"/>
+          </a:p>
+        </p:txBody>
+      </p:sp>
+      <p:sp>
+        <p:nvSpPr>
+          <p:cNvPr id="3" name="Content Placeholder 2"/>
+          <p:cNvSpPr>
+            <a:spLocks noGrp="1"/>
+          </p:cNvSpPr>
+          <p:nvPr>
+            <p:ph idx="1"/>
+          </p:nvPr>
+        </p:nvSpPr>
+        <p:spPr/>
+        <p:txBody>
+          <a:bodyPr/>
+          <a:lstStyle/>
+          <a:p>
+            <a:r>
+              <a:rPr lang="en-US" dirty="0" smtClean="0"/>
+              <a:t>Selenium</a:t>
+            </a:r>
+          </a:p>
+          <a:p>
+            <a:r>
+              <a:rPr lang="en-US" dirty="0" smtClean="0"/>
+              <a:t>Protractor</a:t>
+            </a:r>
+          </a:p>
+          <a:p>
+            <a:r>
+              <a:rPr lang="en-US" dirty="0" err="1" smtClean="0"/>
+              <a:t>Katalon</a:t>
+            </a:r>
+            <a:r>
+              <a:rPr lang="en-US" dirty="0" smtClean="0"/>
+              <a:t> Studio (codeless)</a:t>
+            </a:r>
+          </a:p>
+          <a:p>
+            <a:r>
+              <a:rPr lang="en-US" dirty="0" smtClean="0"/>
+              <a:t>Jest (Facebook)</a:t>
+            </a:r>
+          </a:p>
+          <a:p>
+            <a:r>
+              <a:rPr lang="en-US" dirty="0" smtClean="0"/>
+              <a:t>Puppeteer (Google)</a:t>
+            </a:r>
+          </a:p>
+          <a:p>
+            <a:r>
+              <a:rPr lang="en-US" dirty="0" smtClean="0"/>
+              <a:t>Webdriver.io</a:t>
+            </a:r>
+          </a:p>
+          <a:p>
+            <a:r>
+              <a:rPr lang="en-US" dirty="0" smtClean="0"/>
+              <a:t>Cypress.io</a:t>
+            </a:r>
+            <a:endParaRPr lang="en-US" dirty="0"/>
+          </a:p>
+        </p:txBody>
+      </p:sp>
       <p:pic>
         <p:nvPicPr>
-          <p:cNvPr id="1034" name="Picture 10" descr="Automation Framework"/>
+          <p:cNvPr id="6" name="Picture 10" descr="Automation Framework"/>
           <p:cNvPicPr>
             <a:picLocks noChangeAspect="1" noChangeArrowheads="1"/>
           </p:cNvPicPr>
@@ -41403,95 +41578,9 @@
           </a:extLst>
         </p:spPr>
       </p:pic>
-      <p:sp>
-        <p:nvSpPr>
-          <p:cNvPr id="2" name="Title 1"/>
-          <p:cNvSpPr>
-            <a:spLocks noGrp="1"/>
-          </p:cNvSpPr>
-          <p:nvPr>
-            <p:ph type="title"/>
-          </p:nvPr>
-        </p:nvSpPr>
-        <p:spPr/>
-        <p:txBody>
-          <a:bodyPr/>
-          <a:lstStyle/>
-          <a:p>
-            <a:r>
-              <a:rPr lang="en-US" dirty="0" smtClean="0"/>
-              <a:t>Popular automated testing frameworks</a:t>
-            </a:r>
-            <a:endParaRPr lang="en-US" dirty="0"/>
-          </a:p>
-        </p:txBody>
-      </p:sp>
-      <p:sp>
-        <p:nvSpPr>
-          <p:cNvPr id="3" name="Content Placeholder 2"/>
-          <p:cNvSpPr>
-            <a:spLocks noGrp="1"/>
-          </p:cNvSpPr>
-          <p:nvPr>
-            <p:ph idx="1"/>
-          </p:nvPr>
-        </p:nvSpPr>
-        <p:spPr/>
-        <p:txBody>
-          <a:bodyPr/>
-          <a:lstStyle/>
-          <a:p>
-            <a:r>
-              <a:rPr lang="en-US" dirty="0" smtClean="0"/>
-              <a:t>Selenium</a:t>
-            </a:r>
-          </a:p>
-          <a:p>
-            <a:r>
-              <a:rPr lang="en-US" dirty="0" smtClean="0"/>
-              <a:t>Protractor</a:t>
-            </a:r>
-          </a:p>
-          <a:p>
-            <a:r>
-              <a:rPr lang="en-US" dirty="0" err="1" smtClean="0"/>
-              <a:t>Katalon</a:t>
-            </a:r>
-            <a:r>
-              <a:rPr lang="en-US" dirty="0" smtClean="0"/>
-              <a:t> Studio (codeless)</a:t>
-            </a:r>
-          </a:p>
-          <a:p>
-            <a:r>
-              <a:rPr lang="en-US" dirty="0" smtClean="0"/>
-              <a:t>Jest (Facebook)</a:t>
-            </a:r>
-          </a:p>
-          <a:p>
-            <a:r>
-              <a:rPr lang="en-US" dirty="0" smtClean="0"/>
-              <a:t>Puppeteer (Google)</a:t>
-            </a:r>
-          </a:p>
-          <a:p>
-            <a:r>
-              <a:rPr lang="en-US" dirty="0" smtClean="0"/>
-              <a:t>Webdriver.io</a:t>
-            </a:r>
-          </a:p>
-          <a:p>
-            <a:r>
-              <a:rPr lang="en-US" dirty="0" smtClean="0"/>
-              <a:t>Cypress.io</a:t>
-            </a:r>
-            <a:endParaRPr lang="en-US" dirty="0"/>
-          </a:p>
-        </p:txBody>
-      </p:sp>
       <p:pic>
         <p:nvPicPr>
-          <p:cNvPr id="1032" name="Picture 8" descr="[webp-to-png output image]"/>
+          <p:cNvPr id="7" name="Picture 8" descr="[webp-to-png output image]"/>
           <p:cNvPicPr>
             <a:picLocks noChangeAspect="1" noChangeArrowheads="1"/>
           </p:cNvPicPr>
@@ -41532,7 +41621,7 @@
       </p:pic>
       <p:sp>
         <p:nvSpPr>
-          <p:cNvPr id="7" name="TextBox 6"/>
+          <p:cNvPr id="8" name="TextBox 7"/>
           <p:cNvSpPr txBox="1"/>
           <p:nvPr/>
         </p:nvSpPr>
@@ -41571,20 +41660,12 @@
               </a:rPr>
               <a:t>wait, it’s all automated?</a:t>
             </a:r>
-            <a:endParaRPr lang="en-US" b="1" dirty="0" smtClean="0">
-              <a:ln w="0">
-                <a:noFill/>
-              </a:ln>
-              <a:solidFill>
-                <a:schemeClr val="bg1"/>
-              </a:solidFill>
-            </a:endParaRPr>
           </a:p>
         </p:txBody>
       </p:sp>
       <p:sp>
         <p:nvSpPr>
-          <p:cNvPr id="11" name="TextBox 10"/>
+          <p:cNvPr id="9" name="TextBox 8"/>
           <p:cNvSpPr txBox="1"/>
           <p:nvPr/>
         </p:nvSpPr>
@@ -41634,20 +41715,12 @@
               </a:rPr>
               <a:t>lways has been</a:t>
             </a:r>
-            <a:endParaRPr lang="en-US" b="1" dirty="0" smtClean="0">
-              <a:ln w="0">
-                <a:noFill/>
-              </a:ln>
-              <a:solidFill>
-                <a:schemeClr val="bg1"/>
-              </a:solidFill>
-            </a:endParaRPr>
           </a:p>
         </p:txBody>
       </p:sp>
       <p:sp>
         <p:nvSpPr>
-          <p:cNvPr id="8" name="Rectangle 7"/>
+          <p:cNvPr id="10" name="Rectangle 9"/>
           <p:cNvSpPr/>
           <p:nvPr/>
         </p:nvSpPr>
@@ -42686,7 +42759,7 @@
           <a:p>
             <a:r>
               <a:rPr lang="en-US" dirty="0" smtClean="0"/>
-              <a:t>Cypress.io Commands</a:t>
+              <a:t>Cypress.io</a:t>
             </a:r>
             <a:endParaRPr lang="en-US" dirty="0"/>
           </a:p>
@@ -42702,12 +42775,7 @@
             <p:ph idx="1"/>
           </p:nvPr>
         </p:nvSpPr>
-        <p:spPr>
-          <a:xfrm>
-            <a:off x="380999" y="811763"/>
-            <a:ext cx="11524861" cy="5589037"/>
-          </a:xfrm>
-        </p:spPr>
+        <p:spPr/>
         <p:txBody>
           <a:bodyPr/>
           <a:lstStyle/>
@@ -42716,7 +42784,7 @@
               <a:buNone/>
             </a:pPr>
             <a:r>
-              <a:rPr lang="en-US" b="1" dirty="0" err="1" smtClean="0">
+              <a:rPr lang="en-US" b="1" dirty="0" err="1">
                 <a:solidFill>
                   <a:srgbClr val="000000"/>
                 </a:solidFill>
@@ -42725,7 +42793,7 @@
               <a:t>cy.visit</a:t>
             </a:r>
             <a:r>
-              <a:rPr lang="en-US" b="1" dirty="0" smtClean="0">
+              <a:rPr lang="en-US" b="1" dirty="0">
                 <a:solidFill>
                   <a:srgbClr val="000000"/>
                 </a:solidFill>
@@ -42738,26 +42806,14 @@
               <a:t> </a:t>
             </a:r>
             <a:r>
-              <a:rPr lang="en-US" dirty="0" smtClean="0"/>
-              <a:t>–</a:t>
+              <a:rPr lang="en-US" dirty="0"/>
+              <a:t>– visits the specified URL</a:t>
             </a:r>
+          </a:p>
+          <a:p>
+            <a:pPr lvl="1"/>
             <a:r>
               <a:rPr lang="en-US" dirty="0"/>
-              <a:t> </a:t>
-            </a:r>
-            <a:r>
-              <a:rPr lang="en-US" dirty="0" smtClean="0"/>
-              <a:t>visits </a:t>
-            </a:r>
-            <a:r>
-              <a:rPr lang="en-US" dirty="0" smtClean="0"/>
-              <a:t>the specified URL</a:t>
-            </a:r>
-          </a:p>
-          <a:p>
-            <a:pPr lvl="1"/>
-            <a:r>
-              <a:rPr lang="en-US" dirty="0" smtClean="0"/>
               <a:t>Ex. </a:t>
             </a:r>
             <a:r>
@@ -42802,7 +42858,7 @@
               <a:buNone/>
             </a:pPr>
             <a:r>
-              <a:rPr lang="en-US" b="1" dirty="0" err="1" smtClean="0">
+              <a:rPr lang="en-US" b="1" dirty="0" err="1">
                 <a:solidFill>
                   <a:srgbClr val="000000"/>
                 </a:solidFill>
@@ -42811,7 +42867,7 @@
               <a:t>cy.get</a:t>
             </a:r>
             <a:r>
-              <a:rPr lang="en-US" b="1" dirty="0" smtClean="0">
+              <a:rPr lang="en-US" b="1" dirty="0">
                 <a:solidFill>
                   <a:srgbClr val="000000"/>
                 </a:solidFill>
@@ -42820,7 +42876,7 @@
               <a:t>()</a:t>
             </a:r>
             <a:r>
-              <a:rPr lang="en-US" b="1" dirty="0" smtClean="0">
+              <a:rPr lang="en-US" b="1" dirty="0">
                 <a:solidFill>
                   <a:srgbClr val="000000"/>
                 </a:solidFill>
@@ -42828,14 +42884,14 @@
               <a:t> </a:t>
             </a:r>
             <a:r>
-              <a:rPr lang="en-US" dirty="0" smtClean="0"/>
+              <a:rPr lang="en-US" dirty="0"/>
               <a:t>– gets a specified element on the page</a:t>
             </a:r>
           </a:p>
           <a:p>
             <a:pPr lvl="1"/>
             <a:r>
-              <a:rPr lang="en-US" dirty="0" smtClean="0"/>
+              <a:rPr lang="en-US" dirty="0"/>
               <a:t>Ex. </a:t>
             </a:r>
             <a:r>
@@ -42863,19 +42919,10 @@
                 </a:solidFill>
                 <a:latin typeface="Consolas" panose="020B0609020204030204" pitchFamily="49" charset="0"/>
               </a:rPr>
-              <a:t>'element</a:t>
+              <a:t>'element'</a:t>
             </a:r>
             <a:r>
-              <a:rPr lang="en-US" dirty="0" smtClean="0">
-                <a:solidFill>
-                  <a:srgbClr val="A31515"/>
-                </a:solidFill>
-                <a:latin typeface="Consolas" panose="020B0609020204030204" pitchFamily="49" charset="0"/>
-              </a:rPr>
-              <a:t>'</a:t>
-            </a:r>
-            <a:r>
-              <a:rPr lang="en-US" dirty="0" smtClean="0">
+              <a:rPr lang="en-US" dirty="0">
                 <a:solidFill>
                   <a:srgbClr val="000000"/>
                 </a:solidFill>
@@ -42883,14 +42930,14 @@
               </a:rPr>
               <a:t>)</a:t>
             </a:r>
-            <a:endParaRPr lang="en-US" dirty="0" smtClean="0"/>
-          </a:p>
-          <a:p>
-            <a:pPr marL="0" indent="0">
+            <a:endParaRPr lang="en-US" dirty="0"/>
+          </a:p>
+          <a:p>
+            <a:pPr marL="339725" lvl="1" indent="0">
               <a:buNone/>
             </a:pPr>
             <a:r>
-              <a:rPr lang="en-US" b="1" dirty="0" smtClean="0">
+              <a:rPr lang="en-US" b="1" dirty="0">
                 <a:solidFill>
                   <a:schemeClr val="tx2">
                     <a:lumMod val="50000"/>
@@ -42898,44 +42945,29 @@
                 </a:solidFill>
                 <a:latin typeface="Consolas" panose="020B0609020204030204" pitchFamily="49" charset="0"/>
               </a:rPr>
-              <a:t>.type</a:t>
+              <a:t>.type()</a:t>
             </a:r>
             <a:r>
-              <a:rPr lang="en-US" b="1" dirty="0" smtClean="0">
-                <a:solidFill>
-                  <a:schemeClr val="tx2">
-                    <a:lumMod val="50000"/>
-                  </a:schemeClr>
-                </a:solidFill>
-                <a:latin typeface="Consolas" panose="020B0609020204030204" pitchFamily="49" charset="0"/>
-              </a:rPr>
-              <a:t>()</a:t>
-            </a:r>
-            <a:r>
-              <a:rPr lang="en-US" b="1" dirty="0" smtClean="0"/>
+              <a:rPr lang="en-US" b="1" dirty="0"/>
               <a:t> </a:t>
             </a:r>
             <a:r>
-              <a:rPr lang="en-US" dirty="0" smtClean="0"/>
-              <a:t>– types characters into the selected element </a:t>
+              <a:rPr lang="en-US" dirty="0"/>
+              <a:t>– types characters into the selected element (used with </a:t>
             </a:r>
             <a:r>
-              <a:rPr lang="en-US" dirty="0" smtClean="0"/>
-              <a:t>(used with </a:t>
-            </a:r>
-            <a:r>
-              <a:rPr lang="en-US" dirty="0" err="1" smtClean="0"/>
+              <a:rPr lang="en-US" dirty="0" err="1"/>
               <a:t>cy.get</a:t>
             </a:r>
             <a:r>
-              <a:rPr lang="en-US" dirty="0" smtClean="0"/>
+              <a:rPr lang="en-US" dirty="0"/>
               <a:t>)</a:t>
             </a:r>
           </a:p>
           <a:p>
-            <a:pPr lvl="1"/>
+            <a:pPr lvl="2"/>
             <a:r>
-              <a:rPr lang="en-US" dirty="0" smtClean="0"/>
+              <a:rPr lang="en-US" dirty="0"/>
               <a:t>Ex. </a:t>
             </a:r>
             <a:r>
@@ -43012,11 +43044,11 @@
             </a:r>
           </a:p>
           <a:p>
-            <a:pPr marL="0" indent="0">
+            <a:pPr marL="339725" lvl="1" indent="0">
               <a:buNone/>
             </a:pPr>
             <a:r>
-              <a:rPr lang="en-US" b="1" dirty="0" smtClean="0">
+              <a:rPr lang="en-US" b="1" dirty="0">
                 <a:solidFill>
                   <a:schemeClr val="tx2">
                     <a:lumMod val="50000"/>
@@ -43027,26 +43059,26 @@
               <a:t>.click()</a:t>
             </a:r>
             <a:r>
-              <a:rPr lang="en-US" b="1" dirty="0" smtClean="0"/>
+              <a:rPr lang="en-US" b="1" dirty="0"/>
               <a:t> </a:t>
             </a:r>
             <a:r>
-              <a:rPr lang="en-US" dirty="0" smtClean="0"/>
+              <a:rPr lang="en-US" dirty="0"/>
               <a:t>– clicks on the selected element (used with </a:t>
             </a:r>
             <a:r>
-              <a:rPr lang="en-US" dirty="0" err="1" smtClean="0"/>
+              <a:rPr lang="en-US" dirty="0" err="1"/>
               <a:t>cy.get</a:t>
             </a:r>
             <a:r>
-              <a:rPr lang="en-US" dirty="0" smtClean="0"/>
+              <a:rPr lang="en-US" dirty="0"/>
               <a:t>)</a:t>
             </a:r>
           </a:p>
           <a:p>
-            <a:pPr lvl="1"/>
+            <a:pPr lvl="2"/>
             <a:r>
-              <a:rPr lang="en-US" dirty="0" smtClean="0"/>
+              <a:rPr lang="en-US" dirty="0"/>
               <a:t>Ex. </a:t>
             </a:r>
             <a:r>
@@ -43083,25 +43115,16 @@
                 </a:solidFill>
                 <a:latin typeface="Consolas" panose="020B0609020204030204" pitchFamily="49" charset="0"/>
               </a:rPr>
-              <a:t>).click</a:t>
+              <a:t>).click()</a:t>
             </a:r>
-            <a:r>
-              <a:rPr lang="en-US" dirty="0" smtClean="0">
-                <a:solidFill>
-                  <a:srgbClr val="000000"/>
-                </a:solidFill>
-                <a:latin typeface="Consolas" panose="020B0609020204030204" pitchFamily="49" charset="0"/>
-              </a:rPr>
-              <a:t>()</a:t>
-            </a:r>
-            <a:endParaRPr lang="en-US" dirty="0" smtClean="0"/>
-          </a:p>
-          <a:p>
-            <a:pPr marL="0" indent="0">
+            <a:endParaRPr lang="en-US" dirty="0"/>
+          </a:p>
+          <a:p>
+            <a:pPr marL="339725" lvl="1" indent="0">
               <a:buNone/>
             </a:pPr>
             <a:r>
-              <a:rPr lang="en-US" b="1" dirty="0" smtClean="0">
+              <a:rPr lang="en-US" b="1" dirty="0">
                 <a:solidFill>
                   <a:schemeClr val="tx2">
                     <a:lumMod val="50000"/>
@@ -43109,52 +43132,29 @@
                 </a:solidFill>
                 <a:latin typeface="Consolas" panose="020B0609020204030204" pitchFamily="49" charset="0"/>
               </a:rPr>
-              <a:t>.</a:t>
+              <a:t>.should()</a:t>
             </a:r>
             <a:r>
-              <a:rPr lang="en-US" b="1" dirty="0" smtClean="0">
-                <a:solidFill>
-                  <a:schemeClr val="tx2">
-                    <a:lumMod val="50000"/>
-                  </a:schemeClr>
-                </a:solidFill>
-                <a:latin typeface="Consolas" panose="020B0609020204030204" pitchFamily="49" charset="0"/>
-              </a:rPr>
-              <a:t>should()</a:t>
+              <a:rPr lang="en-US" dirty="0"/>
+              <a:t> – verifies an element is as expected (used with </a:t>
             </a:r>
             <a:r>
-              <a:rPr lang="en-US" dirty="0" smtClean="0"/>
-              <a:t> – </a:t>
-            </a:r>
-            <a:r>
-              <a:rPr lang="en-US" dirty="0" smtClean="0"/>
-              <a:t>verifies </a:t>
-            </a:r>
-            <a:r>
-              <a:rPr lang="en-US" dirty="0" smtClean="0"/>
-              <a:t>an element is as expected </a:t>
-            </a:r>
-            <a:r>
-              <a:rPr lang="en-US" dirty="0" smtClean="0"/>
-              <a:t>(used with </a:t>
-            </a:r>
-            <a:r>
-              <a:rPr lang="en-US" dirty="0" err="1" smtClean="0"/>
+              <a:rPr lang="en-US" dirty="0" err="1"/>
               <a:t>cy.get</a:t>
             </a:r>
             <a:r>
-              <a:rPr lang="en-US" dirty="0" smtClean="0"/>
+              <a:rPr lang="en-US" dirty="0"/>
               <a:t>)</a:t>
             </a:r>
           </a:p>
           <a:p>
-            <a:pPr lvl="1"/>
+            <a:pPr lvl="2"/>
             <a:r>
-              <a:rPr lang="en-US" dirty="0" smtClean="0"/>
+              <a:rPr lang="en-US" dirty="0"/>
               <a:t>Ex. </a:t>
             </a:r>
             <a:r>
-              <a:rPr lang="en-US" dirty="0" err="1" smtClean="0">
+              <a:rPr lang="en-US" dirty="0" err="1">
                 <a:solidFill>
                   <a:srgbClr val="000000"/>
                 </a:solidFill>
@@ -43243,13 +43243,12 @@
               </a:rPr>
               <a:t>)</a:t>
             </a:r>
-            <a:endParaRPr lang="en-US" b="0" dirty="0">
-              <a:solidFill>
-                <a:srgbClr val="000000"/>
-              </a:solidFill>
-              <a:effectLst/>
-              <a:latin typeface="Consolas" panose="020B0609020204030204" pitchFamily="49" charset="0"/>
-            </a:endParaRPr>
+          </a:p>
+          <a:p>
+            <a:pPr marL="0" indent="0">
+              <a:buNone/>
+            </a:pPr>
+            <a:endParaRPr lang="en-US" dirty="0" smtClean="0"/>
           </a:p>
         </p:txBody>
       </p:sp>
@@ -43331,7 +43330,13 @@
           <a:bodyPr/>
           <a:lstStyle/>
           <a:p>
-            <a:endParaRPr lang="en-US"/>
+            <a:r>
+              <a:rPr lang="en-US" dirty="0">
+                <a:hlinkClick r:id="rId2"/>
+              </a:rPr>
+              <a:t>https://play.kahoot.it/v2/?quizId=5833e3d6-bf25-4e83-a0f9-6cc066d72066</a:t>
+            </a:r>
+            <a:endParaRPr lang="en-US" dirty="0"/>
           </a:p>
         </p:txBody>
       </p:sp>
@@ -43348,13 +43353,6 @@
   <p:transition>
     <p:fade/>
   </p:transition>
-  <p:timing>
-    <p:tnLst>
-      <p:par>
-        <p:cTn id="1" dur="indefinite" restart="never" nodeType="tmRoot"/>
-      </p:par>
-    </p:tnLst>
-  </p:timing>
 </p:sld>
 </file>
 
